--- a/Leveraging NLP techniques in healthcare domain for clinical domain classification.pptx
+++ b/Leveraging NLP techniques in healthcare domain for clinical domain classification.pptx
@@ -22,37 +22,39 @@
     <p:sldId id="266" r:id="rId17"/>
     <p:sldId id="267" r:id="rId18"/>
     <p:sldId id="268" r:id="rId19"/>
+    <p:sldId id="269" r:id="rId20"/>
+    <p:sldId id="270" r:id="rId21"/>
   </p:sldIdLst>
   <p:sldSz cy="6858000" cx="12192000"/>
   <p:notesSz cx="6858000" cy="9144000"/>
   <p:embeddedFontLst>
     <p:embeddedFont>
       <p:font typeface="Roboto"/>
-      <p:regular r:id="rId20"/>
-      <p:bold r:id="rId21"/>
-      <p:italic r:id="rId22"/>
-      <p:boldItalic r:id="rId23"/>
+      <p:regular r:id="rId22"/>
+      <p:bold r:id="rId23"/>
+      <p:italic r:id="rId24"/>
+      <p:boldItalic r:id="rId25"/>
     </p:embeddedFont>
     <p:embeddedFont>
       <p:font typeface="Corbel"/>
-      <p:regular r:id="rId24"/>
-      <p:bold r:id="rId25"/>
-      <p:italic r:id="rId26"/>
-      <p:boldItalic r:id="rId27"/>
+      <p:regular r:id="rId26"/>
+      <p:bold r:id="rId27"/>
+      <p:italic r:id="rId28"/>
+      <p:boldItalic r:id="rId29"/>
     </p:embeddedFont>
     <p:embeddedFont>
       <p:font typeface="Helvetica Neue"/>
-      <p:regular r:id="rId28"/>
-      <p:bold r:id="rId29"/>
-      <p:italic r:id="rId30"/>
-      <p:boldItalic r:id="rId31"/>
+      <p:regular r:id="rId30"/>
+      <p:bold r:id="rId31"/>
+      <p:italic r:id="rId32"/>
+      <p:boldItalic r:id="rId33"/>
     </p:embeddedFont>
     <p:embeddedFont>
       <p:font typeface="Century Gothic"/>
-      <p:regular r:id="rId32"/>
-      <p:bold r:id="rId33"/>
-      <p:italic r:id="rId34"/>
-      <p:boldItalic r:id="rId35"/>
+      <p:regular r:id="rId34"/>
+      <p:bold r:id="rId35"/>
+      <p:italic r:id="rId36"/>
+      <p:boldItalic r:id="rId37"/>
     </p:embeddedFont>
   </p:embeddedFontLst>
   <p:defaultTextStyle>
@@ -817,7 +819,7 @@
   <p:cSld>
     <p:spTree>
       <p:nvGrpSpPr>
-        <p:cNvPr id="210" name="Shape 210"/>
+        <p:cNvPr id="213" name="Shape 213"/>
         <p:cNvGrpSpPr/>
         <p:nvPr/>
       </p:nvGrpSpPr>
@@ -831,46 +833,7 @@
       </p:grpSpPr>
       <p:sp>
         <p:nvSpPr>
-          <p:cNvPr id="211" name="Google Shape;211;p11:notes"/>
-          <p:cNvSpPr txBox="1"/>
-          <p:nvPr>
-            <p:ph idx="1" type="body"/>
-          </p:nvPr>
-        </p:nvSpPr>
-        <p:spPr>
-          <a:xfrm>
-            <a:off x="685800" y="4343400"/>
-            <a:ext cx="5486400" cy="4114800"/>
-          </a:xfrm>
-          <a:prstGeom prst="rect">
-            <a:avLst/>
-          </a:prstGeom>
-        </p:spPr>
-        <p:txBody>
-          <a:bodyPr anchorCtr="0" anchor="t" bIns="91425" lIns="91425" spcFirstLastPara="1" rIns="91425" wrap="square" tIns="91425">
-            <a:noAutofit/>
-          </a:bodyPr>
-          <a:lstStyle/>
-          <a:p>
-            <a:pPr indent="0" lvl="0" marL="0" rtl="0" algn="l">
-              <a:spcBef>
-                <a:spcPts val="0"/>
-              </a:spcBef>
-              <a:spcAft>
-                <a:spcPts val="0"/>
-              </a:spcAft>
-              <a:buNone/>
-            </a:pPr>
-            <a:r>
-              <a:t/>
-            </a:r>
-            <a:endParaRPr/>
-          </a:p>
-        </p:txBody>
-      </p:sp>
-      <p:sp>
-        <p:nvSpPr>
-          <p:cNvPr id="212" name="Google Shape;212;p11:notes"/>
+          <p:cNvPr id="214" name="Google Shape;214;g25f806ddb63_0_8:notes"/>
           <p:cNvSpPr/>
           <p:nvPr>
             <p:ph idx="2" type="sldImg"/>
@@ -879,7 +842,7 @@
         <p:spPr>
           <a:xfrm>
             <a:off x="1143225" y="685800"/>
-            <a:ext cx="4572225" cy="3429000"/>
+            <a:ext cx="4572300" cy="3429000"/>
           </a:xfrm>
           <a:custGeom>
             <a:rect b="b" l="l" r="r" t="t"/>
@@ -903,34 +866,9 @@
           </a:custGeom>
         </p:spPr>
       </p:sp>
-    </p:spTree>
-  </p:cSld>
-  <p:clrMapOvr>
-    <a:masterClrMapping/>
-  </p:clrMapOvr>
-</p:notes>
-</file>
-
-<file path=ppt/notesSlides/notesSlide11.xml><?xml version="1.0" encoding="utf-8"?>
-<p:notes xmlns:a="http://schemas.openxmlformats.org/drawingml/2006/main" xmlns:r="http://schemas.openxmlformats.org/officeDocument/2006/relationships" xmlns:mc="http://schemas.openxmlformats.org/markup-compatibility/2006" xmlns:mv="urn:schemas-microsoft-com:mac:vml" xmlns:p="http://schemas.openxmlformats.org/presentationml/2006/main" xmlns:c="http://schemas.openxmlformats.org/drawingml/2006/chart" xmlns:dgm="http://schemas.openxmlformats.org/drawingml/2006/diagram" xmlns:o="urn:schemas-microsoft-com:office:office" xmlns:v="urn:schemas-microsoft-com:vml" xmlns:pvml="urn:schemas-microsoft-com:office:powerpoint" xmlns:com="http://schemas.openxmlformats.org/drawingml/2006/compatibility" xmlns:p14="http://schemas.microsoft.com/office/powerpoint/2010/main" xmlns:p15="http://schemas.microsoft.com/office/powerpoint/2012/main" xmlns:ahyp="http://schemas.microsoft.com/office/drawing/2018/hyperlinkcolor" showMasterPhAnim="0" showMasterSp="0">
-  <p:cSld>
-    <p:spTree>
-      <p:nvGrpSpPr>
-        <p:cNvPr id="224" name="Shape 224"/>
-        <p:cNvGrpSpPr/>
-        <p:nvPr/>
-      </p:nvGrpSpPr>
-      <p:grpSpPr>
-        <a:xfrm>
-          <a:off x="0" y="0"/>
-          <a:ext cx="0" cy="0"/>
-          <a:chOff x="0" y="0"/>
-          <a:chExt cx="0" cy="0"/>
-        </a:xfrm>
-      </p:grpSpPr>
       <p:sp>
         <p:nvSpPr>
-          <p:cNvPr id="225" name="Google Shape;225;p12:notes"/>
+          <p:cNvPr id="215" name="Google Shape;215;g25f806ddb63_0_8:notes"/>
           <p:cNvSpPr txBox="1"/>
           <p:nvPr>
             <p:ph idx="1" type="body"/>
@@ -967,9 +905,73 @@
           </a:p>
         </p:txBody>
       </p:sp>
+    </p:spTree>
+  </p:cSld>
+  <p:clrMapOvr>
+    <a:masterClrMapping/>
+  </p:clrMapOvr>
+</p:notes>
+</file>
+
+<file path=ppt/notesSlides/notesSlide11.xml><?xml version="1.0" encoding="utf-8"?>
+<p:notes xmlns:a="http://schemas.openxmlformats.org/drawingml/2006/main" xmlns:r="http://schemas.openxmlformats.org/officeDocument/2006/relationships" xmlns:mc="http://schemas.openxmlformats.org/markup-compatibility/2006" xmlns:mv="urn:schemas-microsoft-com:mac:vml" xmlns:p="http://schemas.openxmlformats.org/presentationml/2006/main" xmlns:c="http://schemas.openxmlformats.org/drawingml/2006/chart" xmlns:dgm="http://schemas.openxmlformats.org/drawingml/2006/diagram" xmlns:o="urn:schemas-microsoft-com:office:office" xmlns:v="urn:schemas-microsoft-com:vml" xmlns:pvml="urn:schemas-microsoft-com:office:powerpoint" xmlns:com="http://schemas.openxmlformats.org/drawingml/2006/compatibility" xmlns:p14="http://schemas.microsoft.com/office/powerpoint/2010/main" xmlns:p15="http://schemas.microsoft.com/office/powerpoint/2012/main" xmlns:ahyp="http://schemas.microsoft.com/office/drawing/2018/hyperlinkcolor" showMasterPhAnim="0" showMasterSp="0">
+  <p:cSld>
+    <p:spTree>
+      <p:nvGrpSpPr>
+        <p:cNvPr id="228" name="Shape 228"/>
+        <p:cNvGrpSpPr/>
+        <p:nvPr/>
+      </p:nvGrpSpPr>
+      <p:grpSpPr>
+        <a:xfrm>
+          <a:off x="0" y="0"/>
+          <a:ext cx="0" cy="0"/>
+          <a:chOff x="0" y="0"/>
+          <a:chExt cx="0" cy="0"/>
+        </a:xfrm>
+      </p:grpSpPr>
       <p:sp>
         <p:nvSpPr>
-          <p:cNvPr id="226" name="Google Shape;226;p12:notes"/>
+          <p:cNvPr id="229" name="Google Shape;229;p10:notes"/>
+          <p:cNvSpPr txBox="1"/>
+          <p:nvPr>
+            <p:ph idx="1" type="body"/>
+          </p:nvPr>
+        </p:nvSpPr>
+        <p:spPr>
+          <a:xfrm>
+            <a:off x="685800" y="4343400"/>
+            <a:ext cx="5486400" cy="4114800"/>
+          </a:xfrm>
+          <a:prstGeom prst="rect">
+            <a:avLst/>
+          </a:prstGeom>
+        </p:spPr>
+        <p:txBody>
+          <a:bodyPr anchorCtr="0" anchor="t" bIns="91425" lIns="91425" spcFirstLastPara="1" rIns="91425" wrap="square" tIns="91425">
+            <a:noAutofit/>
+          </a:bodyPr>
+          <a:lstStyle/>
+          <a:p>
+            <a:pPr indent="0" lvl="0" marL="0" rtl="0" algn="l">
+              <a:spcBef>
+                <a:spcPts val="0"/>
+              </a:spcBef>
+              <a:spcAft>
+                <a:spcPts val="0"/>
+              </a:spcAft>
+              <a:buNone/>
+            </a:pPr>
+            <a:r>
+              <a:t/>
+            </a:r>
+            <a:endParaRPr/>
+          </a:p>
+        </p:txBody>
+      </p:sp>
+      <p:sp>
+        <p:nvSpPr>
+          <p:cNvPr id="230" name="Google Shape;230;p10:notes"/>
           <p:cNvSpPr/>
           <p:nvPr>
             <p:ph idx="2" type="sldImg"/>
@@ -1015,7 +1017,7 @@
   <p:cSld>
     <p:spTree>
       <p:nvGrpSpPr>
-        <p:cNvPr id="244" name="Shape 244"/>
+        <p:cNvPr id="239" name="Shape 239"/>
         <p:cNvGrpSpPr/>
         <p:nvPr/>
       </p:nvGrpSpPr>
@@ -1029,7 +1031,7 @@
       </p:grpSpPr>
       <p:sp>
         <p:nvSpPr>
-          <p:cNvPr id="245" name="Google Shape;245;p13:notes"/>
+          <p:cNvPr id="240" name="Google Shape;240;p11:notes"/>
           <p:cNvSpPr txBox="1"/>
           <p:nvPr>
             <p:ph idx="1" type="body"/>
@@ -1068,7 +1070,7 @@
       </p:sp>
       <p:sp>
         <p:nvSpPr>
-          <p:cNvPr id="246" name="Google Shape;246;p13:notes"/>
+          <p:cNvPr id="241" name="Google Shape;241;p11:notes"/>
           <p:cNvSpPr/>
           <p:nvPr>
             <p:ph idx="2" type="sldImg"/>
@@ -1114,7 +1116,7 @@
   <p:cSld>
     <p:spTree>
       <p:nvGrpSpPr>
-        <p:cNvPr id="286" name="Shape 286"/>
+        <p:cNvPr id="253" name="Shape 253"/>
         <p:cNvGrpSpPr/>
         <p:nvPr/>
       </p:nvGrpSpPr>
@@ -1128,7 +1130,7 @@
       </p:grpSpPr>
       <p:sp>
         <p:nvSpPr>
-          <p:cNvPr id="287" name="Google Shape;287;p14:notes"/>
+          <p:cNvPr id="254" name="Google Shape;254;p12:notes"/>
           <p:cNvSpPr txBox="1"/>
           <p:nvPr>
             <p:ph idx="1" type="body"/>
@@ -1167,7 +1169,205 @@
       </p:sp>
       <p:sp>
         <p:nvSpPr>
-          <p:cNvPr id="288" name="Google Shape;288;p14:notes"/>
+          <p:cNvPr id="255" name="Google Shape;255;p12:notes"/>
+          <p:cNvSpPr/>
+          <p:nvPr>
+            <p:ph idx="2" type="sldImg"/>
+          </p:nvPr>
+        </p:nvSpPr>
+        <p:spPr>
+          <a:xfrm>
+            <a:off x="1143225" y="685800"/>
+            <a:ext cx="4572225" cy="3429000"/>
+          </a:xfrm>
+          <a:custGeom>
+            <a:rect b="b" l="l" r="r" t="t"/>
+            <a:pathLst>
+              <a:path extrusionOk="0" h="120000" w="120000">
+                <a:moveTo>
+                  <a:pt x="0" y="0"/>
+                </a:moveTo>
+                <a:lnTo>
+                  <a:pt x="120000" y="0"/>
+                </a:lnTo>
+                <a:lnTo>
+                  <a:pt x="120000" y="120000"/>
+                </a:lnTo>
+                <a:lnTo>
+                  <a:pt x="0" y="120000"/>
+                </a:lnTo>
+                <a:close/>
+              </a:path>
+            </a:pathLst>
+          </a:custGeom>
+        </p:spPr>
+      </p:sp>
+    </p:spTree>
+  </p:cSld>
+  <p:clrMapOvr>
+    <a:masterClrMapping/>
+  </p:clrMapOvr>
+</p:notes>
+</file>
+
+<file path=ppt/notesSlides/notesSlide14.xml><?xml version="1.0" encoding="utf-8"?>
+<p:notes xmlns:a="http://schemas.openxmlformats.org/drawingml/2006/main" xmlns:r="http://schemas.openxmlformats.org/officeDocument/2006/relationships" xmlns:mc="http://schemas.openxmlformats.org/markup-compatibility/2006" xmlns:mv="urn:schemas-microsoft-com:mac:vml" xmlns:p="http://schemas.openxmlformats.org/presentationml/2006/main" xmlns:c="http://schemas.openxmlformats.org/drawingml/2006/chart" xmlns:dgm="http://schemas.openxmlformats.org/drawingml/2006/diagram" xmlns:o="urn:schemas-microsoft-com:office:office" xmlns:v="urn:schemas-microsoft-com:vml" xmlns:pvml="urn:schemas-microsoft-com:office:powerpoint" xmlns:com="http://schemas.openxmlformats.org/drawingml/2006/compatibility" xmlns:p14="http://schemas.microsoft.com/office/powerpoint/2010/main" xmlns:p15="http://schemas.microsoft.com/office/powerpoint/2012/main" xmlns:ahyp="http://schemas.microsoft.com/office/drawing/2018/hyperlinkcolor" showMasterPhAnim="0" showMasterSp="0">
+  <p:cSld>
+    <p:spTree>
+      <p:nvGrpSpPr>
+        <p:cNvPr id="273" name="Shape 273"/>
+        <p:cNvGrpSpPr/>
+        <p:nvPr/>
+      </p:nvGrpSpPr>
+      <p:grpSpPr>
+        <a:xfrm>
+          <a:off x="0" y="0"/>
+          <a:ext cx="0" cy="0"/>
+          <a:chOff x="0" y="0"/>
+          <a:chExt cx="0" cy="0"/>
+        </a:xfrm>
+      </p:grpSpPr>
+      <p:sp>
+        <p:nvSpPr>
+          <p:cNvPr id="274" name="Google Shape;274;p13:notes"/>
+          <p:cNvSpPr txBox="1"/>
+          <p:nvPr>
+            <p:ph idx="1" type="body"/>
+          </p:nvPr>
+        </p:nvSpPr>
+        <p:spPr>
+          <a:xfrm>
+            <a:off x="685800" y="4343400"/>
+            <a:ext cx="5486400" cy="4114800"/>
+          </a:xfrm>
+          <a:prstGeom prst="rect">
+            <a:avLst/>
+          </a:prstGeom>
+        </p:spPr>
+        <p:txBody>
+          <a:bodyPr anchorCtr="0" anchor="t" bIns="91425" lIns="91425" spcFirstLastPara="1" rIns="91425" wrap="square" tIns="91425">
+            <a:noAutofit/>
+          </a:bodyPr>
+          <a:lstStyle/>
+          <a:p>
+            <a:pPr indent="0" lvl="0" marL="0" rtl="0" algn="l">
+              <a:spcBef>
+                <a:spcPts val="0"/>
+              </a:spcBef>
+              <a:spcAft>
+                <a:spcPts val="0"/>
+              </a:spcAft>
+              <a:buNone/>
+            </a:pPr>
+            <a:r>
+              <a:t/>
+            </a:r>
+            <a:endParaRPr/>
+          </a:p>
+        </p:txBody>
+      </p:sp>
+      <p:sp>
+        <p:nvSpPr>
+          <p:cNvPr id="275" name="Google Shape;275;p13:notes"/>
+          <p:cNvSpPr/>
+          <p:nvPr>
+            <p:ph idx="2" type="sldImg"/>
+          </p:nvPr>
+        </p:nvSpPr>
+        <p:spPr>
+          <a:xfrm>
+            <a:off x="1143225" y="685800"/>
+            <a:ext cx="4572225" cy="3429000"/>
+          </a:xfrm>
+          <a:custGeom>
+            <a:rect b="b" l="l" r="r" t="t"/>
+            <a:pathLst>
+              <a:path extrusionOk="0" h="120000" w="120000">
+                <a:moveTo>
+                  <a:pt x="0" y="0"/>
+                </a:moveTo>
+                <a:lnTo>
+                  <a:pt x="120000" y="0"/>
+                </a:lnTo>
+                <a:lnTo>
+                  <a:pt x="120000" y="120000"/>
+                </a:lnTo>
+                <a:lnTo>
+                  <a:pt x="0" y="120000"/>
+                </a:lnTo>
+                <a:close/>
+              </a:path>
+            </a:pathLst>
+          </a:custGeom>
+        </p:spPr>
+      </p:sp>
+    </p:spTree>
+  </p:cSld>
+  <p:clrMapOvr>
+    <a:masterClrMapping/>
+  </p:clrMapOvr>
+</p:notes>
+</file>
+
+<file path=ppt/notesSlides/notesSlide15.xml><?xml version="1.0" encoding="utf-8"?>
+<p:notes xmlns:a="http://schemas.openxmlformats.org/drawingml/2006/main" xmlns:r="http://schemas.openxmlformats.org/officeDocument/2006/relationships" xmlns:mc="http://schemas.openxmlformats.org/markup-compatibility/2006" xmlns:mv="urn:schemas-microsoft-com:mac:vml" xmlns:p="http://schemas.openxmlformats.org/presentationml/2006/main" xmlns:c="http://schemas.openxmlformats.org/drawingml/2006/chart" xmlns:dgm="http://schemas.openxmlformats.org/drawingml/2006/diagram" xmlns:o="urn:schemas-microsoft-com:office:office" xmlns:v="urn:schemas-microsoft-com:vml" xmlns:pvml="urn:schemas-microsoft-com:office:powerpoint" xmlns:com="http://schemas.openxmlformats.org/drawingml/2006/compatibility" xmlns:p14="http://schemas.microsoft.com/office/powerpoint/2010/main" xmlns:p15="http://schemas.microsoft.com/office/powerpoint/2012/main" xmlns:ahyp="http://schemas.microsoft.com/office/drawing/2018/hyperlinkcolor" showMasterPhAnim="0" showMasterSp="0">
+  <p:cSld>
+    <p:spTree>
+      <p:nvGrpSpPr>
+        <p:cNvPr id="315" name="Shape 315"/>
+        <p:cNvGrpSpPr/>
+        <p:nvPr/>
+      </p:nvGrpSpPr>
+      <p:grpSpPr>
+        <a:xfrm>
+          <a:off x="0" y="0"/>
+          <a:ext cx="0" cy="0"/>
+          <a:chOff x="0" y="0"/>
+          <a:chExt cx="0" cy="0"/>
+        </a:xfrm>
+      </p:grpSpPr>
+      <p:sp>
+        <p:nvSpPr>
+          <p:cNvPr id="316" name="Google Shape;316;p14:notes"/>
+          <p:cNvSpPr txBox="1"/>
+          <p:nvPr>
+            <p:ph idx="1" type="body"/>
+          </p:nvPr>
+        </p:nvSpPr>
+        <p:spPr>
+          <a:xfrm>
+            <a:off x="685800" y="4343400"/>
+            <a:ext cx="5486400" cy="4114800"/>
+          </a:xfrm>
+          <a:prstGeom prst="rect">
+            <a:avLst/>
+          </a:prstGeom>
+        </p:spPr>
+        <p:txBody>
+          <a:bodyPr anchorCtr="0" anchor="t" bIns="91425" lIns="91425" spcFirstLastPara="1" rIns="91425" wrap="square" tIns="91425">
+            <a:noAutofit/>
+          </a:bodyPr>
+          <a:lstStyle/>
+          <a:p>
+            <a:pPr indent="0" lvl="0" marL="0" rtl="0" algn="l">
+              <a:spcBef>
+                <a:spcPts val="0"/>
+              </a:spcBef>
+              <a:spcAft>
+                <a:spcPts val="0"/>
+              </a:spcAft>
+              <a:buNone/>
+            </a:pPr>
+            <a:r>
+              <a:t/>
+            </a:r>
+            <a:endParaRPr/>
+          </a:p>
+        </p:txBody>
+      </p:sp>
+      <p:sp>
+        <p:nvSpPr>
+          <p:cNvPr id="317" name="Google Shape;317;p14:notes"/>
           <p:cNvSpPr/>
           <p:nvPr>
             <p:ph idx="2" type="sldImg"/>
@@ -1312,7 +1512,7 @@
   <p:cSld>
     <p:spTree>
       <p:nvGrpSpPr>
-        <p:cNvPr id="143" name="Shape 143"/>
+        <p:cNvPr id="144" name="Shape 144"/>
         <p:cNvGrpSpPr/>
         <p:nvPr/>
       </p:nvGrpSpPr>
@@ -1326,7 +1526,7 @@
       </p:grpSpPr>
       <p:sp>
         <p:nvSpPr>
-          <p:cNvPr id="144" name="Google Shape;144;p4:notes"/>
+          <p:cNvPr id="145" name="Google Shape;145;p4:notes"/>
           <p:cNvSpPr txBox="1"/>
           <p:nvPr>
             <p:ph idx="1" type="body"/>
@@ -1365,7 +1565,7 @@
       </p:sp>
       <p:sp>
         <p:nvSpPr>
-          <p:cNvPr id="145" name="Google Shape;145;p4:notes"/>
+          <p:cNvPr id="146" name="Google Shape;146;p4:notes"/>
           <p:cNvSpPr/>
           <p:nvPr>
             <p:ph idx="2" type="sldImg"/>
@@ -1411,7 +1611,7 @@
   <p:cSld>
     <p:spTree>
       <p:nvGrpSpPr>
-        <p:cNvPr id="160" name="Shape 160"/>
+        <p:cNvPr id="161" name="Shape 161"/>
         <p:cNvGrpSpPr/>
         <p:nvPr/>
       </p:nvGrpSpPr>
@@ -1425,7 +1625,7 @@
       </p:grpSpPr>
       <p:sp>
         <p:nvSpPr>
-          <p:cNvPr id="161" name="Google Shape;161;p6:notes"/>
+          <p:cNvPr id="162" name="Google Shape;162;p6:notes"/>
           <p:cNvSpPr txBox="1"/>
           <p:nvPr>
             <p:ph idx="1" type="body"/>
@@ -1464,7 +1664,7 @@
       </p:sp>
       <p:sp>
         <p:nvSpPr>
-          <p:cNvPr id="162" name="Google Shape;162;p6:notes"/>
+          <p:cNvPr id="163" name="Google Shape;163;p6:notes"/>
           <p:cNvSpPr/>
           <p:nvPr>
             <p:ph idx="2" type="sldImg"/>
@@ -1510,7 +1710,7 @@
   <p:cSld>
     <p:spTree>
       <p:nvGrpSpPr>
-        <p:cNvPr id="169" name="Shape 169"/>
+        <p:cNvPr id="171" name="Shape 171"/>
         <p:cNvGrpSpPr/>
         <p:nvPr/>
       </p:nvGrpSpPr>
@@ -1524,7 +1724,7 @@
       </p:grpSpPr>
       <p:sp>
         <p:nvSpPr>
-          <p:cNvPr id="170" name="Google Shape;170;p7:notes"/>
+          <p:cNvPr id="172" name="Google Shape;172;p7:notes"/>
           <p:cNvSpPr txBox="1"/>
           <p:nvPr>
             <p:ph idx="1" type="body"/>
@@ -1563,7 +1763,7 @@
       </p:sp>
       <p:sp>
         <p:nvSpPr>
-          <p:cNvPr id="171" name="Google Shape;171;p7:notes"/>
+          <p:cNvPr id="173" name="Google Shape;173;p7:notes"/>
           <p:cNvSpPr/>
           <p:nvPr>
             <p:ph idx="2" type="sldImg"/>
@@ -1609,7 +1809,7 @@
   <p:cSld>
     <p:spTree>
       <p:nvGrpSpPr>
-        <p:cNvPr id="175" name="Shape 175"/>
+        <p:cNvPr id="178" name="Shape 178"/>
         <p:cNvGrpSpPr/>
         <p:nvPr/>
       </p:nvGrpSpPr>
@@ -1623,7 +1823,7 @@
       </p:grpSpPr>
       <p:sp>
         <p:nvSpPr>
-          <p:cNvPr id="176" name="Google Shape;176;p8:notes"/>
+          <p:cNvPr id="179" name="Google Shape;179;p8:notes"/>
           <p:cNvSpPr txBox="1"/>
           <p:nvPr>
             <p:ph idx="1" type="body"/>
@@ -1662,7 +1862,7 @@
       </p:sp>
       <p:sp>
         <p:nvSpPr>
-          <p:cNvPr id="177" name="Google Shape;177;p8:notes"/>
+          <p:cNvPr id="180" name="Google Shape;180;p8:notes"/>
           <p:cNvSpPr/>
           <p:nvPr>
             <p:ph idx="2" type="sldImg"/>
@@ -1708,7 +1908,7 @@
   <p:cSld>
     <p:spTree>
       <p:nvGrpSpPr>
-        <p:cNvPr id="182" name="Shape 182"/>
+        <p:cNvPr id="186" name="Shape 186"/>
         <p:cNvGrpSpPr/>
         <p:nvPr/>
       </p:nvGrpSpPr>
@@ -1722,7 +1922,106 @@
       </p:grpSpPr>
       <p:sp>
         <p:nvSpPr>
-          <p:cNvPr id="183" name="Google Shape;183;g25d6914ecd9_0_18:notes"/>
+          <p:cNvPr id="187" name="Google Shape;187;g25f806ddb63_0_0:notes"/>
+          <p:cNvSpPr txBox="1"/>
+          <p:nvPr>
+            <p:ph idx="1" type="body"/>
+          </p:nvPr>
+        </p:nvSpPr>
+        <p:spPr>
+          <a:xfrm>
+            <a:off x="685800" y="4343400"/>
+            <a:ext cx="5486400" cy="4114800"/>
+          </a:xfrm>
+          <a:prstGeom prst="rect">
+            <a:avLst/>
+          </a:prstGeom>
+        </p:spPr>
+        <p:txBody>
+          <a:bodyPr anchorCtr="0" anchor="t" bIns="91425" lIns="91425" spcFirstLastPara="1" rIns="91425" wrap="square" tIns="91425">
+            <a:noAutofit/>
+          </a:bodyPr>
+          <a:lstStyle/>
+          <a:p>
+            <a:pPr indent="0" lvl="0" marL="0" rtl="0" algn="l">
+              <a:spcBef>
+                <a:spcPts val="0"/>
+              </a:spcBef>
+              <a:spcAft>
+                <a:spcPts val="0"/>
+              </a:spcAft>
+              <a:buNone/>
+            </a:pPr>
+            <a:r>
+              <a:t/>
+            </a:r>
+            <a:endParaRPr/>
+          </a:p>
+        </p:txBody>
+      </p:sp>
+      <p:sp>
+        <p:nvSpPr>
+          <p:cNvPr id="188" name="Google Shape;188;g25f806ddb63_0_0:notes"/>
+          <p:cNvSpPr/>
+          <p:nvPr>
+            <p:ph idx="2" type="sldImg"/>
+          </p:nvPr>
+        </p:nvSpPr>
+        <p:spPr>
+          <a:xfrm>
+            <a:off x="1143225" y="685800"/>
+            <a:ext cx="4572300" cy="3429000"/>
+          </a:xfrm>
+          <a:custGeom>
+            <a:rect b="b" l="l" r="r" t="t"/>
+            <a:pathLst>
+              <a:path extrusionOk="0" h="120000" w="120000">
+                <a:moveTo>
+                  <a:pt x="0" y="0"/>
+                </a:moveTo>
+                <a:lnTo>
+                  <a:pt x="120000" y="0"/>
+                </a:lnTo>
+                <a:lnTo>
+                  <a:pt x="120000" y="120000"/>
+                </a:lnTo>
+                <a:lnTo>
+                  <a:pt x="0" y="120000"/>
+                </a:lnTo>
+                <a:close/>
+              </a:path>
+            </a:pathLst>
+          </a:custGeom>
+        </p:spPr>
+      </p:sp>
+    </p:spTree>
+  </p:cSld>
+  <p:clrMapOvr>
+    <a:masterClrMapping/>
+  </p:clrMapOvr>
+</p:notes>
+</file>
+
+<file path=ppt/notesSlides/notesSlide8.xml><?xml version="1.0" encoding="utf-8"?>
+<p:notes xmlns:a="http://schemas.openxmlformats.org/drawingml/2006/main" xmlns:r="http://schemas.openxmlformats.org/officeDocument/2006/relationships" xmlns:mc="http://schemas.openxmlformats.org/markup-compatibility/2006" xmlns:mv="urn:schemas-microsoft-com:mac:vml" xmlns:p="http://schemas.openxmlformats.org/presentationml/2006/main" xmlns:c="http://schemas.openxmlformats.org/drawingml/2006/chart" xmlns:dgm="http://schemas.openxmlformats.org/drawingml/2006/diagram" xmlns:o="urn:schemas-microsoft-com:office:office" xmlns:v="urn:schemas-microsoft-com:vml" xmlns:pvml="urn:schemas-microsoft-com:office:powerpoint" xmlns:com="http://schemas.openxmlformats.org/drawingml/2006/compatibility" xmlns:p14="http://schemas.microsoft.com/office/powerpoint/2010/main" xmlns:p15="http://schemas.microsoft.com/office/powerpoint/2012/main" xmlns:ahyp="http://schemas.microsoft.com/office/drawing/2018/hyperlinkcolor" showMasterPhAnim="0" showMasterSp="0">
+  <p:cSld>
+    <p:spTree>
+      <p:nvGrpSpPr>
+        <p:cNvPr id="195" name="Shape 195"/>
+        <p:cNvGrpSpPr/>
+        <p:nvPr/>
+      </p:nvGrpSpPr>
+      <p:grpSpPr>
+        <a:xfrm>
+          <a:off x="0" y="0"/>
+          <a:ext cx="0" cy="0"/>
+          <a:chOff x="0" y="0"/>
+          <a:chExt cx="0" cy="0"/>
+        </a:xfrm>
+      </p:grpSpPr>
+      <p:sp>
+        <p:nvSpPr>
+          <p:cNvPr id="196" name="Google Shape;196;g25d6914ecd9_0_18:notes"/>
           <p:cNvSpPr/>
           <p:nvPr>
             <p:ph idx="2" type="sldImg"/>
@@ -1757,7 +2056,7 @@
       </p:sp>
       <p:sp>
         <p:nvSpPr>
-          <p:cNvPr id="184" name="Google Shape;184;g25d6914ecd9_0_18:notes"/>
+          <p:cNvPr id="197" name="Google Shape;197;g25d6914ecd9_0_18:notes"/>
           <p:cNvSpPr txBox="1"/>
           <p:nvPr>
             <p:ph idx="1" type="body"/>
@@ -1802,12 +2101,12 @@
 </p:notes>
 </file>
 
-<file path=ppt/notesSlides/notesSlide8.xml><?xml version="1.0" encoding="utf-8"?>
+<file path=ppt/notesSlides/notesSlide9.xml><?xml version="1.0" encoding="utf-8"?>
 <p:notes xmlns:a="http://schemas.openxmlformats.org/drawingml/2006/main" xmlns:r="http://schemas.openxmlformats.org/officeDocument/2006/relationships" xmlns:mc="http://schemas.openxmlformats.org/markup-compatibility/2006" xmlns:mv="urn:schemas-microsoft-com:mac:vml" xmlns:p="http://schemas.openxmlformats.org/presentationml/2006/main" xmlns:c="http://schemas.openxmlformats.org/drawingml/2006/chart" xmlns:dgm="http://schemas.openxmlformats.org/drawingml/2006/diagram" xmlns:o="urn:schemas-microsoft-com:office:office" xmlns:v="urn:schemas-microsoft-com:vml" xmlns:pvml="urn:schemas-microsoft-com:office:powerpoint" xmlns:com="http://schemas.openxmlformats.org/drawingml/2006/compatibility" xmlns:p14="http://schemas.microsoft.com/office/powerpoint/2010/main" xmlns:p15="http://schemas.microsoft.com/office/powerpoint/2012/main" xmlns:ahyp="http://schemas.microsoft.com/office/drawing/2018/hyperlinkcolor" showMasterPhAnim="0" showMasterSp="0">
   <p:cSld>
     <p:spTree>
       <p:nvGrpSpPr>
-        <p:cNvPr id="190" name="Shape 190"/>
+        <p:cNvPr id="204" name="Shape 204"/>
         <p:cNvGrpSpPr/>
         <p:nvPr/>
       </p:nvGrpSpPr>
@@ -1821,7 +2120,7 @@
       </p:grpSpPr>
       <p:sp>
         <p:nvSpPr>
-          <p:cNvPr id="191" name="Google Shape;191;g25d6914ecd9_0_56:notes"/>
+          <p:cNvPr id="205" name="Google Shape;205;g25d6914ecd9_0_56:notes"/>
           <p:cNvSpPr/>
           <p:nvPr>
             <p:ph idx="2" type="sldImg"/>
@@ -1856,7 +2155,7 @@
       </p:sp>
       <p:sp>
         <p:nvSpPr>
-          <p:cNvPr id="192" name="Google Shape;192;g25d6914ecd9_0_56:notes"/>
+          <p:cNvPr id="206" name="Google Shape;206;g25d6914ecd9_0_56:notes"/>
           <p:cNvSpPr txBox="1"/>
           <p:nvPr>
             <p:ph idx="1" type="body"/>
@@ -1892,105 +2191,6 @@
             <a:endParaRPr/>
           </a:p>
         </p:txBody>
-      </p:sp>
-    </p:spTree>
-  </p:cSld>
-  <p:clrMapOvr>
-    <a:masterClrMapping/>
-  </p:clrMapOvr>
-</p:notes>
-</file>
-
-<file path=ppt/notesSlides/notesSlide9.xml><?xml version="1.0" encoding="utf-8"?>
-<p:notes xmlns:a="http://schemas.openxmlformats.org/drawingml/2006/main" xmlns:r="http://schemas.openxmlformats.org/officeDocument/2006/relationships" xmlns:mc="http://schemas.openxmlformats.org/markup-compatibility/2006" xmlns:mv="urn:schemas-microsoft-com:mac:vml" xmlns:p="http://schemas.openxmlformats.org/presentationml/2006/main" xmlns:c="http://schemas.openxmlformats.org/drawingml/2006/chart" xmlns:dgm="http://schemas.openxmlformats.org/drawingml/2006/diagram" xmlns:o="urn:schemas-microsoft-com:office:office" xmlns:v="urn:schemas-microsoft-com:vml" xmlns:pvml="urn:schemas-microsoft-com:office:powerpoint" xmlns:com="http://schemas.openxmlformats.org/drawingml/2006/compatibility" xmlns:p14="http://schemas.microsoft.com/office/powerpoint/2010/main" xmlns:p15="http://schemas.microsoft.com/office/powerpoint/2012/main" xmlns:ahyp="http://schemas.microsoft.com/office/drawing/2018/hyperlinkcolor" showMasterPhAnim="0" showMasterSp="0">
-  <p:cSld>
-    <p:spTree>
-      <p:nvGrpSpPr>
-        <p:cNvPr id="199" name="Shape 199"/>
-        <p:cNvGrpSpPr/>
-        <p:nvPr/>
-      </p:nvGrpSpPr>
-      <p:grpSpPr>
-        <a:xfrm>
-          <a:off x="0" y="0"/>
-          <a:ext cx="0" cy="0"/>
-          <a:chOff x="0" y="0"/>
-          <a:chExt cx="0" cy="0"/>
-        </a:xfrm>
-      </p:grpSpPr>
-      <p:sp>
-        <p:nvSpPr>
-          <p:cNvPr id="200" name="Google Shape;200;p10:notes"/>
-          <p:cNvSpPr txBox="1"/>
-          <p:nvPr>
-            <p:ph idx="1" type="body"/>
-          </p:nvPr>
-        </p:nvSpPr>
-        <p:spPr>
-          <a:xfrm>
-            <a:off x="685800" y="4343400"/>
-            <a:ext cx="5486400" cy="4114800"/>
-          </a:xfrm>
-          <a:prstGeom prst="rect">
-            <a:avLst/>
-          </a:prstGeom>
-        </p:spPr>
-        <p:txBody>
-          <a:bodyPr anchorCtr="0" anchor="t" bIns="91425" lIns="91425" spcFirstLastPara="1" rIns="91425" wrap="square" tIns="91425">
-            <a:noAutofit/>
-          </a:bodyPr>
-          <a:lstStyle/>
-          <a:p>
-            <a:pPr indent="0" lvl="0" marL="0" rtl="0" algn="l">
-              <a:spcBef>
-                <a:spcPts val="0"/>
-              </a:spcBef>
-              <a:spcAft>
-                <a:spcPts val="0"/>
-              </a:spcAft>
-              <a:buNone/>
-            </a:pPr>
-            <a:r>
-              <a:t/>
-            </a:r>
-            <a:endParaRPr/>
-          </a:p>
-        </p:txBody>
-      </p:sp>
-      <p:sp>
-        <p:nvSpPr>
-          <p:cNvPr id="201" name="Google Shape;201;p10:notes"/>
-          <p:cNvSpPr/>
-          <p:nvPr>
-            <p:ph idx="2" type="sldImg"/>
-          </p:nvPr>
-        </p:nvSpPr>
-        <p:spPr>
-          <a:xfrm>
-            <a:off x="1143225" y="685800"/>
-            <a:ext cx="4572225" cy="3429000"/>
-          </a:xfrm>
-          <a:custGeom>
-            <a:rect b="b" l="l" r="r" t="t"/>
-            <a:pathLst>
-              <a:path extrusionOk="0" h="120000" w="120000">
-                <a:moveTo>
-                  <a:pt x="0" y="0"/>
-                </a:moveTo>
-                <a:lnTo>
-                  <a:pt x="120000" y="0"/>
-                </a:lnTo>
-                <a:lnTo>
-                  <a:pt x="120000" y="120000"/>
-                </a:lnTo>
-                <a:lnTo>
-                  <a:pt x="0" y="120000"/>
-                </a:lnTo>
-                <a:close/>
-              </a:path>
-            </a:pathLst>
-          </a:custGeom>
-        </p:spPr>
       </p:sp>
     </p:spTree>
   </p:cSld>
@@ -18906,7 +19106,7 @@
   <p:cSld>
     <p:spTree>
       <p:nvGrpSpPr>
-        <p:cNvPr id="213" name="Shape 213"/>
+        <p:cNvPr id="216" name="Shape 216"/>
         <p:cNvGrpSpPr/>
         <p:nvPr/>
       </p:nvGrpSpPr>
@@ -18920,7 +19120,455 @@
       </p:grpSpPr>
       <p:sp>
         <p:nvSpPr>
-          <p:cNvPr id="214" name="Google Shape;214;p33"/>
+          <p:cNvPr id="217" name="Google Shape;217;p33"/>
+          <p:cNvSpPr txBox="1"/>
+          <p:nvPr>
+            <p:ph type="title"/>
+          </p:nvPr>
+        </p:nvSpPr>
+        <p:spPr>
+          <a:xfrm>
+            <a:off x="-3018" y="982"/>
+            <a:ext cx="12192000" cy="657900"/>
+          </a:xfrm>
+          <a:prstGeom prst="rect">
+            <a:avLst/>
+          </a:prstGeom>
+        </p:spPr>
+        <p:txBody>
+          <a:bodyPr anchorCtr="0" anchor="t" bIns="45700" lIns="91425" spcFirstLastPara="1" rIns="91425" wrap="square" tIns="45700">
+            <a:noAutofit/>
+          </a:bodyPr>
+          <a:lstStyle/>
+          <a:p>
+            <a:pPr indent="0" lvl="0" marL="0" rtl="0" algn="l">
+              <a:spcBef>
+                <a:spcPts val="0"/>
+              </a:spcBef>
+              <a:spcAft>
+                <a:spcPts val="0"/>
+              </a:spcAft>
+              <a:buNone/>
+            </a:pPr>
+            <a:r>
+              <a:rPr lang="en-US"/>
+              <a:t>BERT model plots for loss and accuracy</a:t>
+            </a:r>
+            <a:endParaRPr/>
+          </a:p>
+          <a:p>
+            <a:pPr indent="0" lvl="0" marL="0" rtl="0" algn="l">
+              <a:spcBef>
+                <a:spcPts val="0"/>
+              </a:spcBef>
+              <a:spcAft>
+                <a:spcPts val="0"/>
+              </a:spcAft>
+              <a:buNone/>
+            </a:pPr>
+            <a:r>
+              <a:t/>
+            </a:r>
+            <a:endParaRPr/>
+          </a:p>
+        </p:txBody>
+      </p:sp>
+      <p:pic>
+        <p:nvPicPr>
+          <p:cNvPr id="218" name="Google Shape;218;p33"/>
+          <p:cNvPicPr preferRelativeResize="0"/>
+          <p:nvPr/>
+        </p:nvPicPr>
+        <p:blipFill>
+          <a:blip r:embed="rId3">
+            <a:alphaModFix/>
+          </a:blip>
+          <a:stretch>
+            <a:fillRect/>
+          </a:stretch>
+        </p:blipFill>
+        <p:spPr>
+          <a:xfrm>
+            <a:off x="6545674" y="3573400"/>
+            <a:ext cx="4117563" cy="1967874"/>
+          </a:xfrm>
+          <a:prstGeom prst="rect">
+            <a:avLst/>
+          </a:prstGeom>
+          <a:noFill/>
+          <a:ln>
+            <a:noFill/>
+          </a:ln>
+        </p:spPr>
+      </p:pic>
+      <p:pic>
+        <p:nvPicPr>
+          <p:cNvPr id="219" name="Google Shape;219;p33"/>
+          <p:cNvPicPr preferRelativeResize="0"/>
+          <p:nvPr/>
+        </p:nvPicPr>
+        <p:blipFill>
+          <a:blip r:embed="rId4">
+            <a:alphaModFix/>
+          </a:blip>
+          <a:stretch>
+            <a:fillRect/>
+          </a:stretch>
+        </p:blipFill>
+        <p:spPr>
+          <a:xfrm>
+            <a:off x="894874" y="857552"/>
+            <a:ext cx="4100175" cy="1967876"/>
+          </a:xfrm>
+          <a:prstGeom prst="rect">
+            <a:avLst/>
+          </a:prstGeom>
+          <a:noFill/>
+          <a:ln cap="flat" cmpd="sng" w="19050">
+            <a:solidFill>
+              <a:schemeClr val="dk2"/>
+            </a:solidFill>
+            <a:prstDash val="solid"/>
+            <a:round/>
+            <a:headEnd len="sm" w="sm" type="none"/>
+            <a:tailEnd len="sm" w="sm" type="none"/>
+          </a:ln>
+        </p:spPr>
+      </p:pic>
+      <p:pic>
+        <p:nvPicPr>
+          <p:cNvPr id="220" name="Google Shape;220;p33"/>
+          <p:cNvPicPr preferRelativeResize="0"/>
+          <p:nvPr/>
+        </p:nvPicPr>
+        <p:blipFill>
+          <a:blip r:embed="rId5">
+            <a:alphaModFix/>
+          </a:blip>
+          <a:stretch>
+            <a:fillRect/>
+          </a:stretch>
+        </p:blipFill>
+        <p:spPr>
+          <a:xfrm>
+            <a:off x="897500" y="3573388"/>
+            <a:ext cx="4094932" cy="1967875"/>
+          </a:xfrm>
+          <a:prstGeom prst="rect">
+            <a:avLst/>
+          </a:prstGeom>
+          <a:noFill/>
+          <a:ln cap="flat" cmpd="sng" w="19050">
+            <a:solidFill>
+              <a:schemeClr val="dk2"/>
+            </a:solidFill>
+            <a:prstDash val="solid"/>
+            <a:round/>
+            <a:headEnd len="sm" w="sm" type="none"/>
+            <a:tailEnd len="sm" w="sm" type="none"/>
+          </a:ln>
+        </p:spPr>
+      </p:pic>
+      <p:sp>
+        <p:nvSpPr>
+          <p:cNvPr id="221" name="Google Shape;221;p33"/>
+          <p:cNvSpPr txBox="1"/>
+          <p:nvPr/>
+        </p:nvSpPr>
+        <p:spPr>
+          <a:xfrm>
+            <a:off x="894874" y="2825425"/>
+            <a:ext cx="4808700" cy="400200"/>
+          </a:xfrm>
+          <a:prstGeom prst="rect">
+            <a:avLst/>
+          </a:prstGeom>
+          <a:noFill/>
+          <a:ln>
+            <a:noFill/>
+          </a:ln>
+        </p:spPr>
+        <p:txBody>
+          <a:bodyPr anchorCtr="0" anchor="t" bIns="91425" lIns="91425" spcFirstLastPara="1" rIns="91425" wrap="square" tIns="91425">
+            <a:spAutoFit/>
+          </a:bodyPr>
+          <a:lstStyle/>
+          <a:p>
+            <a:pPr indent="0" lvl="0" marL="0" rtl="0" algn="l">
+              <a:spcBef>
+                <a:spcPts val="0"/>
+              </a:spcBef>
+              <a:spcAft>
+                <a:spcPts val="0"/>
+              </a:spcAft>
+              <a:buNone/>
+            </a:pPr>
+            <a:r>
+              <a:rPr lang="en-US"/>
+              <a:t>Exploding gradients problem with imbalanced data</a:t>
+            </a:r>
+            <a:endParaRPr/>
+          </a:p>
+        </p:txBody>
+      </p:sp>
+      <p:sp>
+        <p:nvSpPr>
+          <p:cNvPr id="222" name="Google Shape;222;p33"/>
+          <p:cNvSpPr txBox="1"/>
+          <p:nvPr/>
+        </p:nvSpPr>
+        <p:spPr>
+          <a:xfrm>
+            <a:off x="1213222" y="5541275"/>
+            <a:ext cx="3149700" cy="400200"/>
+          </a:xfrm>
+          <a:prstGeom prst="rect">
+            <a:avLst/>
+          </a:prstGeom>
+          <a:noFill/>
+          <a:ln>
+            <a:noFill/>
+          </a:ln>
+        </p:spPr>
+        <p:txBody>
+          <a:bodyPr anchorCtr="0" anchor="t" bIns="91425" lIns="91425" spcFirstLastPara="1" rIns="91425" wrap="square" tIns="91425">
+            <a:spAutoFit/>
+          </a:bodyPr>
+          <a:lstStyle/>
+          <a:p>
+            <a:pPr indent="0" lvl="0" marL="0" rtl="0" algn="l">
+              <a:spcBef>
+                <a:spcPts val="0"/>
+              </a:spcBef>
+              <a:spcAft>
+                <a:spcPts val="0"/>
+              </a:spcAft>
+              <a:buNone/>
+            </a:pPr>
+            <a:r>
+              <a:rPr lang="en-US"/>
+              <a:t>Balanced data with NLP Augmenter</a:t>
+            </a:r>
+            <a:endParaRPr/>
+          </a:p>
+        </p:txBody>
+      </p:sp>
+      <p:sp>
+        <p:nvSpPr>
+          <p:cNvPr id="223" name="Google Shape;223;p33"/>
+          <p:cNvSpPr txBox="1"/>
+          <p:nvPr/>
+        </p:nvSpPr>
+        <p:spPr>
+          <a:xfrm>
+            <a:off x="7292397" y="5541275"/>
+            <a:ext cx="3149700" cy="400200"/>
+          </a:xfrm>
+          <a:prstGeom prst="rect">
+            <a:avLst/>
+          </a:prstGeom>
+          <a:noFill/>
+          <a:ln>
+            <a:noFill/>
+          </a:ln>
+        </p:spPr>
+        <p:txBody>
+          <a:bodyPr anchorCtr="0" anchor="t" bIns="91425" lIns="91425" spcFirstLastPara="1" rIns="91425" wrap="square" tIns="91425">
+            <a:spAutoFit/>
+          </a:bodyPr>
+          <a:lstStyle/>
+          <a:p>
+            <a:pPr indent="0" lvl="0" marL="0" rtl="0" algn="l">
+              <a:spcBef>
+                <a:spcPts val="0"/>
+              </a:spcBef>
+              <a:spcAft>
+                <a:spcPts val="0"/>
+              </a:spcAft>
+              <a:buNone/>
+            </a:pPr>
+            <a:r>
+              <a:rPr lang="en-US"/>
+              <a:t>Balanced data with SMOTE</a:t>
+            </a:r>
+            <a:endParaRPr/>
+          </a:p>
+        </p:txBody>
+      </p:sp>
+      <p:pic>
+        <p:nvPicPr>
+          <p:cNvPr id="224" name="Google Shape;224;p33"/>
+          <p:cNvPicPr preferRelativeResize="0"/>
+          <p:nvPr/>
+        </p:nvPicPr>
+        <p:blipFill>
+          <a:blip r:embed="rId6">
+            <a:alphaModFix/>
+          </a:blip>
+          <a:stretch>
+            <a:fillRect/>
+          </a:stretch>
+        </p:blipFill>
+        <p:spPr>
+          <a:xfrm>
+            <a:off x="6640450" y="807400"/>
+            <a:ext cx="3928025" cy="1915251"/>
+          </a:xfrm>
+          <a:prstGeom prst="rect">
+            <a:avLst/>
+          </a:prstGeom>
+          <a:noFill/>
+          <a:ln cap="flat" cmpd="sng" w="19050">
+            <a:solidFill>
+              <a:schemeClr val="dk2"/>
+            </a:solidFill>
+            <a:prstDash val="solid"/>
+            <a:round/>
+            <a:headEnd len="sm" w="sm" type="none"/>
+            <a:tailEnd len="sm" w="sm" type="none"/>
+          </a:ln>
+        </p:spPr>
+      </p:pic>
+      <p:sp>
+        <p:nvSpPr>
+          <p:cNvPr id="225" name="Google Shape;225;p33"/>
+          <p:cNvSpPr txBox="1"/>
+          <p:nvPr/>
+        </p:nvSpPr>
+        <p:spPr>
+          <a:xfrm>
+            <a:off x="6719925" y="2722650"/>
+            <a:ext cx="3927900" cy="400200"/>
+          </a:xfrm>
+          <a:prstGeom prst="rect">
+            <a:avLst/>
+          </a:prstGeom>
+          <a:noFill/>
+          <a:ln>
+            <a:noFill/>
+          </a:ln>
+        </p:spPr>
+        <p:txBody>
+          <a:bodyPr anchorCtr="0" anchor="t" bIns="91425" lIns="91425" spcFirstLastPara="1" rIns="91425" wrap="square" tIns="91425">
+            <a:spAutoFit/>
+          </a:bodyPr>
+          <a:lstStyle/>
+          <a:p>
+            <a:pPr indent="0" lvl="0" marL="0" rtl="0" algn="l">
+              <a:spcBef>
+                <a:spcPts val="0"/>
+              </a:spcBef>
+              <a:spcAft>
+                <a:spcPts val="0"/>
+              </a:spcAft>
+              <a:buNone/>
+            </a:pPr>
+            <a:r>
+              <a:rPr lang="en-US"/>
+              <a:t>After gradient clipping with imbalanced data</a:t>
+            </a:r>
+            <a:endParaRPr/>
+          </a:p>
+        </p:txBody>
+      </p:sp>
+      <p:cxnSp>
+        <p:nvCxnSpPr>
+          <p:cNvPr id="226" name="Google Shape;226;p33"/>
+          <p:cNvCxnSpPr/>
+          <p:nvPr/>
+        </p:nvCxnSpPr>
+        <p:spPr>
+          <a:xfrm flipH="1" rot="10800000">
+            <a:off x="355225" y="3255450"/>
+            <a:ext cx="10569000" cy="25200"/>
+          </a:xfrm>
+          <a:prstGeom prst="straightConnector1">
+            <a:avLst/>
+          </a:prstGeom>
+          <a:noFill/>
+          <a:ln cap="flat" cmpd="sng" w="19050">
+            <a:solidFill>
+              <a:schemeClr val="accent5"/>
+            </a:solidFill>
+            <a:prstDash val="solid"/>
+            <a:round/>
+            <a:headEnd len="med" w="med" type="none"/>
+            <a:tailEnd len="med" w="med" type="none"/>
+          </a:ln>
+        </p:spPr>
+      </p:cxnSp>
+      <p:sp>
+        <p:nvSpPr>
+          <p:cNvPr id="227" name="Google Shape;227;p33"/>
+          <p:cNvSpPr txBox="1"/>
+          <p:nvPr>
+            <p:ph idx="12" type="sldNum"/>
+          </p:nvPr>
+        </p:nvSpPr>
+        <p:spPr>
+          <a:xfrm>
+            <a:off x="8610600" y="6356350"/>
+            <a:ext cx="2743200" cy="365100"/>
+          </a:xfrm>
+          <a:prstGeom prst="rect">
+            <a:avLst/>
+          </a:prstGeom>
+          <a:noFill/>
+          <a:ln>
+            <a:noFill/>
+          </a:ln>
+        </p:spPr>
+        <p:txBody>
+          <a:bodyPr anchorCtr="0" anchor="t" bIns="45700" lIns="91425" spcFirstLastPara="1" rIns="91425" wrap="square" tIns="45700">
+            <a:noAutofit/>
+          </a:bodyPr>
+          <a:lstStyle/>
+          <a:p>
+            <a:pPr indent="0" lvl="0" marL="0" rtl="0" algn="r">
+              <a:spcBef>
+                <a:spcPts val="0"/>
+              </a:spcBef>
+              <a:spcAft>
+                <a:spcPts val="0"/>
+              </a:spcAft>
+              <a:buNone/>
+            </a:pPr>
+            <a:fld id="{00000000-1234-1234-1234-123412341234}" type="slidenum">
+              <a:rPr lang="en-US"/>
+              <a:t>‹#›</a:t>
+            </a:fld>
+            <a:endParaRPr/>
+          </a:p>
+        </p:txBody>
+      </p:sp>
+    </p:spTree>
+  </p:cSld>
+  <p:clrMapOvr>
+    <a:masterClrMapping/>
+  </p:clrMapOvr>
+</p:sld>
+</file>
+
+<file path=ppt/slides/slide11.xml><?xml version="1.0" encoding="utf-8"?>
+<p:sld xmlns:a="http://schemas.openxmlformats.org/drawingml/2006/main" xmlns:r="http://schemas.openxmlformats.org/officeDocument/2006/relationships" xmlns:mc="http://schemas.openxmlformats.org/markup-compatibility/2006" xmlns:mv="urn:schemas-microsoft-com:mac:vml" xmlns:p="http://schemas.openxmlformats.org/presentationml/2006/main" xmlns:c="http://schemas.openxmlformats.org/drawingml/2006/chart" xmlns:dgm="http://schemas.openxmlformats.org/drawingml/2006/diagram" xmlns:o="urn:schemas-microsoft-com:office:office" xmlns:v="urn:schemas-microsoft-com:vml" xmlns:pvml="urn:schemas-microsoft-com:office:powerpoint" xmlns:com="http://schemas.openxmlformats.org/drawingml/2006/compatibility" xmlns:p14="http://schemas.microsoft.com/office/powerpoint/2010/main" xmlns:p15="http://schemas.microsoft.com/office/powerpoint/2012/main" xmlns:ahyp="http://schemas.microsoft.com/office/drawing/2018/hyperlinkcolor">
+  <p:cSld>
+    <p:spTree>
+      <p:nvGrpSpPr>
+        <p:cNvPr id="231" name="Shape 231"/>
+        <p:cNvGrpSpPr/>
+        <p:nvPr/>
+      </p:nvGrpSpPr>
+      <p:grpSpPr>
+        <a:xfrm>
+          <a:off x="0" y="0"/>
+          <a:ext cx="0" cy="0"/>
+          <a:chOff x="0" y="0"/>
+          <a:chExt cx="0" cy="0"/>
+        </a:xfrm>
+      </p:grpSpPr>
+      <p:sp>
+        <p:nvSpPr>
+          <p:cNvPr id="232" name="Google Shape;232;p34"/>
           <p:cNvSpPr txBox="1"/>
           <p:nvPr>
             <p:ph type="title"/>
@@ -18964,6 +19612,331 @@
             </a:pPr>
             <a:r>
               <a:rPr lang="en-US"/>
+              <a:t>Model deployment</a:t>
+            </a:r>
+            <a:endParaRPr/>
+          </a:p>
+        </p:txBody>
+      </p:sp>
+      <p:sp>
+        <p:nvSpPr>
+          <p:cNvPr id="233" name="Google Shape;233;p34"/>
+          <p:cNvSpPr txBox="1"/>
+          <p:nvPr>
+            <p:ph idx="1" type="body"/>
+          </p:nvPr>
+        </p:nvSpPr>
+        <p:spPr>
+          <a:xfrm>
+            <a:off x="240675" y="893124"/>
+            <a:ext cx="11827500" cy="1635300"/>
+          </a:xfrm>
+          <a:prstGeom prst="rect">
+            <a:avLst/>
+          </a:prstGeom>
+        </p:spPr>
+        <p:txBody>
+          <a:bodyPr anchorCtr="0" anchor="t" bIns="45700" lIns="91425" spcFirstLastPara="1" rIns="91425" wrap="square" tIns="45700">
+            <a:noAutofit/>
+          </a:bodyPr>
+          <a:lstStyle/>
+          <a:p>
+            <a:pPr indent="-342900" lvl="0" marL="457200" rtl="0" algn="l">
+              <a:spcBef>
+                <a:spcPts val="1000"/>
+              </a:spcBef>
+              <a:spcAft>
+                <a:spcPts val="0"/>
+              </a:spcAft>
+              <a:buSzPts val="1800"/>
+              <a:buChar char="•"/>
+            </a:pPr>
+            <a:r>
+              <a:rPr lang="en-US" sz="1800"/>
+              <a:t>BERT model was deployed as it outperformed other models (Refer to SCRIPT12)</a:t>
+            </a:r>
+            <a:endParaRPr sz="1800"/>
+          </a:p>
+          <a:p>
+            <a:pPr indent="-342900" lvl="0" marL="457200" rtl="0" algn="l">
+              <a:spcBef>
+                <a:spcPts val="0"/>
+              </a:spcBef>
+              <a:spcAft>
+                <a:spcPts val="0"/>
+              </a:spcAft>
+              <a:buSzPts val="1800"/>
+              <a:buChar char="•"/>
+            </a:pPr>
+            <a:r>
+              <a:rPr lang="en-US" sz="1800"/>
+              <a:t>Users can send a POST request to the API with a JSON data structure. </a:t>
+            </a:r>
+            <a:endParaRPr sz="1800"/>
+          </a:p>
+          <a:p>
+            <a:pPr indent="-342900" lvl="0" marL="457200" rtl="0" algn="l">
+              <a:spcBef>
+                <a:spcPts val="0"/>
+              </a:spcBef>
+              <a:spcAft>
+                <a:spcPts val="0"/>
+              </a:spcAft>
+              <a:buSzPts val="1800"/>
+              <a:buChar char="•"/>
+            </a:pPr>
+            <a:r>
+              <a:rPr lang="en-US" sz="1800"/>
+              <a:t>The API tokenizes and processes the provided text data using a pre-trained language model and then predicts the medical domain or specialty associated with each text entry.</a:t>
+            </a:r>
+            <a:endParaRPr sz="1800"/>
+          </a:p>
+          <a:p>
+            <a:pPr indent="-342900" lvl="0" marL="457200" rtl="0" algn="l">
+              <a:spcBef>
+                <a:spcPts val="0"/>
+              </a:spcBef>
+              <a:spcAft>
+                <a:spcPts val="0"/>
+              </a:spcAft>
+              <a:buSzPts val="1800"/>
+              <a:buChar char="•"/>
+            </a:pPr>
+            <a:r>
+              <a:rPr lang="en-US" sz="1800"/>
+              <a:t>The API responds with a JSON structure containing predictions and original text. Each result includes the predicted medical domain and the corresponding input text.</a:t>
+            </a:r>
+            <a:endParaRPr sz="1800"/>
+          </a:p>
+        </p:txBody>
+      </p:sp>
+      <p:pic>
+        <p:nvPicPr>
+          <p:cNvPr id="234" name="Google Shape;234;p34"/>
+          <p:cNvPicPr preferRelativeResize="0"/>
+          <p:nvPr/>
+        </p:nvPicPr>
+        <p:blipFill>
+          <a:blip r:embed="rId3">
+            <a:alphaModFix/>
+          </a:blip>
+          <a:stretch>
+            <a:fillRect/>
+          </a:stretch>
+        </p:blipFill>
+        <p:spPr>
+          <a:xfrm>
+            <a:off x="4382975" y="2882642"/>
+            <a:ext cx="2819400" cy="304800"/>
+          </a:xfrm>
+          <a:prstGeom prst="rect">
+            <a:avLst/>
+          </a:prstGeom>
+          <a:noFill/>
+          <a:ln>
+            <a:noFill/>
+          </a:ln>
+        </p:spPr>
+      </p:pic>
+      <p:pic>
+        <p:nvPicPr>
+          <p:cNvPr id="235" name="Google Shape;235;p34"/>
+          <p:cNvPicPr preferRelativeResize="0"/>
+          <p:nvPr/>
+        </p:nvPicPr>
+        <p:blipFill>
+          <a:blip r:embed="rId4">
+            <a:alphaModFix/>
+          </a:blip>
+          <a:stretch>
+            <a:fillRect/>
+          </a:stretch>
+        </p:blipFill>
+        <p:spPr>
+          <a:xfrm>
+            <a:off x="6284650" y="3187741"/>
+            <a:ext cx="917725" cy="482525"/>
+          </a:xfrm>
+          <a:prstGeom prst="rect">
+            <a:avLst/>
+          </a:prstGeom>
+          <a:noFill/>
+          <a:ln>
+            <a:noFill/>
+          </a:ln>
+        </p:spPr>
+      </p:pic>
+      <p:pic>
+        <p:nvPicPr>
+          <p:cNvPr id="236" name="Google Shape;236;p34"/>
+          <p:cNvPicPr preferRelativeResize="0"/>
+          <p:nvPr/>
+        </p:nvPicPr>
+        <p:blipFill>
+          <a:blip r:embed="rId5">
+            <a:alphaModFix/>
+          </a:blip>
+          <a:stretch>
+            <a:fillRect/>
+          </a:stretch>
+        </p:blipFill>
+        <p:spPr>
+          <a:xfrm>
+            <a:off x="6382825" y="3841100"/>
+            <a:ext cx="5191799" cy="1874950"/>
+          </a:xfrm>
+          <a:prstGeom prst="rect">
+            <a:avLst/>
+          </a:prstGeom>
+          <a:noFill/>
+          <a:ln>
+            <a:noFill/>
+          </a:ln>
+        </p:spPr>
+      </p:pic>
+      <p:pic>
+        <p:nvPicPr>
+          <p:cNvPr id="237" name="Google Shape;237;p34"/>
+          <p:cNvPicPr preferRelativeResize="0"/>
+          <p:nvPr/>
+        </p:nvPicPr>
+        <p:blipFill>
+          <a:blip r:embed="rId6">
+            <a:alphaModFix/>
+          </a:blip>
+          <a:stretch>
+            <a:fillRect/>
+          </a:stretch>
+        </p:blipFill>
+        <p:spPr>
+          <a:xfrm>
+            <a:off x="356850" y="3985337"/>
+            <a:ext cx="5784226" cy="1586475"/>
+          </a:xfrm>
+          <a:prstGeom prst="rect">
+            <a:avLst/>
+          </a:prstGeom>
+          <a:noFill/>
+          <a:ln>
+            <a:noFill/>
+          </a:ln>
+        </p:spPr>
+      </p:pic>
+      <p:sp>
+        <p:nvSpPr>
+          <p:cNvPr id="238" name="Google Shape;238;p34"/>
+          <p:cNvSpPr txBox="1"/>
+          <p:nvPr>
+            <p:ph idx="12" type="sldNum"/>
+          </p:nvPr>
+        </p:nvSpPr>
+        <p:spPr>
+          <a:xfrm>
+            <a:off x="8610600" y="6356350"/>
+            <a:ext cx="2743200" cy="365100"/>
+          </a:xfrm>
+          <a:prstGeom prst="rect">
+            <a:avLst/>
+          </a:prstGeom>
+          <a:noFill/>
+          <a:ln>
+            <a:noFill/>
+          </a:ln>
+        </p:spPr>
+        <p:txBody>
+          <a:bodyPr anchorCtr="0" anchor="t" bIns="45700" lIns="91425" spcFirstLastPara="1" rIns="91425" wrap="square" tIns="45700">
+            <a:noAutofit/>
+          </a:bodyPr>
+          <a:lstStyle/>
+          <a:p>
+            <a:pPr indent="0" lvl="0" marL="0" rtl="0" algn="r">
+              <a:spcBef>
+                <a:spcPts val="0"/>
+              </a:spcBef>
+              <a:spcAft>
+                <a:spcPts val="0"/>
+              </a:spcAft>
+              <a:buNone/>
+            </a:pPr>
+            <a:fld id="{00000000-1234-1234-1234-123412341234}" type="slidenum">
+              <a:rPr lang="en-US"/>
+              <a:t>‹#›</a:t>
+            </a:fld>
+            <a:endParaRPr/>
+          </a:p>
+        </p:txBody>
+      </p:sp>
+    </p:spTree>
+  </p:cSld>
+  <p:clrMapOvr>
+    <a:masterClrMapping/>
+  </p:clrMapOvr>
+</p:sld>
+</file>
+
+<file path=ppt/slides/slide12.xml><?xml version="1.0" encoding="utf-8"?>
+<p:sld xmlns:a="http://schemas.openxmlformats.org/drawingml/2006/main" xmlns:r="http://schemas.openxmlformats.org/officeDocument/2006/relationships" xmlns:mc="http://schemas.openxmlformats.org/markup-compatibility/2006" xmlns:mv="urn:schemas-microsoft-com:mac:vml" xmlns:p="http://schemas.openxmlformats.org/presentationml/2006/main" xmlns:c="http://schemas.openxmlformats.org/drawingml/2006/chart" xmlns:dgm="http://schemas.openxmlformats.org/drawingml/2006/diagram" xmlns:o="urn:schemas-microsoft-com:office:office" xmlns:v="urn:schemas-microsoft-com:vml" xmlns:pvml="urn:schemas-microsoft-com:office:powerpoint" xmlns:com="http://schemas.openxmlformats.org/drawingml/2006/compatibility" xmlns:p14="http://schemas.microsoft.com/office/powerpoint/2010/main" xmlns:p15="http://schemas.microsoft.com/office/powerpoint/2012/main" xmlns:ahyp="http://schemas.microsoft.com/office/drawing/2018/hyperlinkcolor">
+  <p:cSld>
+    <p:spTree>
+      <p:nvGrpSpPr>
+        <p:cNvPr id="242" name="Shape 242"/>
+        <p:cNvGrpSpPr/>
+        <p:nvPr/>
+      </p:nvGrpSpPr>
+      <p:grpSpPr>
+        <a:xfrm>
+          <a:off x="0" y="0"/>
+          <a:ext cx="0" cy="0"/>
+          <a:chOff x="0" y="0"/>
+          <a:chExt cx="0" cy="0"/>
+        </a:xfrm>
+      </p:grpSpPr>
+      <p:sp>
+        <p:nvSpPr>
+          <p:cNvPr id="243" name="Google Shape;243;p35"/>
+          <p:cNvSpPr txBox="1"/>
+          <p:nvPr>
+            <p:ph type="title"/>
+          </p:nvPr>
+        </p:nvSpPr>
+        <p:spPr>
+          <a:xfrm>
+            <a:off x="-3018" y="982"/>
+            <a:ext cx="12192000" cy="657900"/>
+          </a:xfrm>
+          <a:prstGeom prst="rect">
+            <a:avLst/>
+          </a:prstGeom>
+          <a:noFill/>
+          <a:ln>
+            <a:noFill/>
+          </a:ln>
+        </p:spPr>
+        <p:txBody>
+          <a:bodyPr anchorCtr="0" anchor="t" bIns="45700" lIns="91425" spcFirstLastPara="1" rIns="91425" wrap="square" tIns="45700">
+            <a:noAutofit/>
+          </a:bodyPr>
+          <a:lstStyle/>
+          <a:p>
+            <a:pPr indent="0" lvl="0" marL="0" rtl="0" algn="l">
+              <a:lnSpc>
+                <a:spcPct val="90000"/>
+              </a:lnSpc>
+              <a:spcBef>
+                <a:spcPts val="0"/>
+              </a:spcBef>
+              <a:spcAft>
+                <a:spcPts val="0"/>
+              </a:spcAft>
+              <a:buClr>
+                <a:schemeClr val="dk1"/>
+              </a:buClr>
+              <a:buSzPts val="4400"/>
+              <a:buFont typeface="Calibri"/>
+              <a:buNone/>
+            </a:pPr>
+            <a:r>
+              <a:rPr lang="en-US"/>
               <a:t>Challenges</a:t>
             </a:r>
             <a:endParaRPr/>
@@ -18972,7 +19945,7 @@
       </p:sp>
       <p:sp>
         <p:nvSpPr>
-          <p:cNvPr id="215" name="Google Shape;215;p33"/>
+          <p:cNvPr id="244" name="Google Shape;244;p35"/>
           <p:cNvSpPr txBox="1"/>
           <p:nvPr>
             <p:ph idx="1" type="body"/>
@@ -19084,7 +20057,7 @@
             </a:r>
             <a:r>
               <a:rPr lang="en-US" sz="1800"/>
-              <a:t>: Augmented data may introduce the risk of overfitting and hence achieved 99% accuracy with SMOTE. This is yet to be explored.</a:t>
+              <a:t>: Augmented data may introduce the risk of overfitting.</a:t>
             </a:r>
             <a:endParaRPr sz="1800"/>
           </a:p>
@@ -19092,51 +20065,7 @@
       </p:sp>
       <p:sp>
         <p:nvSpPr>
-          <p:cNvPr id="216" name="Google Shape;216;p33"/>
-          <p:cNvSpPr txBox="1"/>
-          <p:nvPr>
-            <p:ph idx="12" type="sldNum"/>
-          </p:nvPr>
-        </p:nvSpPr>
-        <p:spPr>
-          <a:xfrm>
-            <a:off x="9223343" y="6356350"/>
-            <a:ext cx="2743200" cy="365100"/>
-          </a:xfrm>
-          <a:prstGeom prst="rect">
-            <a:avLst/>
-          </a:prstGeom>
-        </p:spPr>
-        <p:txBody>
-          <a:bodyPr anchorCtr="0" anchor="t" bIns="45700" lIns="91425" spcFirstLastPara="1" rIns="91425" wrap="square" tIns="45700">
-            <a:noAutofit/>
-          </a:bodyPr>
-          <a:lstStyle/>
-          <a:p>
-            <a:pPr indent="0" lvl="0" marL="0" rtl="0" algn="r">
-              <a:spcBef>
-                <a:spcPts val="0"/>
-              </a:spcBef>
-              <a:spcAft>
-                <a:spcPts val="0"/>
-              </a:spcAft>
-              <a:buClr>
-                <a:srgbClr val="000000"/>
-              </a:buClr>
-              <a:buFont typeface="Arial"/>
-              <a:buNone/>
-            </a:pPr>
-            <a:fld id="{00000000-1234-1234-1234-123412341234}" type="slidenum">
-              <a:rPr lang="en-US"/>
-              <a:t>‹#›</a:t>
-            </a:fld>
-            <a:endParaRPr/>
-          </a:p>
-        </p:txBody>
-      </p:sp>
-      <p:sp>
-        <p:nvSpPr>
-          <p:cNvPr id="217" name="Google Shape;217;p33"/>
+          <p:cNvPr id="245" name="Google Shape;245;p35"/>
           <p:cNvSpPr txBox="1"/>
           <p:nvPr>
             <p:ph type="title"/>
@@ -19188,7 +20117,7 @@
       </p:sp>
       <p:cxnSp>
         <p:nvCxnSpPr>
-          <p:cNvPr id="218" name="Google Shape;218;p33"/>
+          <p:cNvPr id="246" name="Google Shape;246;p35"/>
           <p:cNvCxnSpPr/>
           <p:nvPr/>
         </p:nvCxnSpPr>
@@ -19214,7 +20143,7 @@
       </p:cxnSp>
       <p:sp>
         <p:nvSpPr>
-          <p:cNvPr id="219" name="Google Shape;219;p33"/>
+          <p:cNvPr id="247" name="Google Shape;247;p35"/>
           <p:cNvSpPr txBox="1"/>
           <p:nvPr/>
         </p:nvSpPr>
@@ -19255,7 +20184,7 @@
       </p:sp>
       <p:sp>
         <p:nvSpPr>
-          <p:cNvPr id="220" name="Google Shape;220;p33"/>
+          <p:cNvPr id="248" name="Google Shape;248;p35"/>
           <p:cNvSpPr txBox="1"/>
           <p:nvPr>
             <p:ph idx="1" type="body"/>
@@ -19320,7 +20249,7 @@
       </p:sp>
       <p:sp>
         <p:nvSpPr>
-          <p:cNvPr id="221" name="Google Shape;221;p33"/>
+          <p:cNvPr id="249" name="Google Shape;249;p35"/>
           <p:cNvSpPr txBox="1"/>
           <p:nvPr>
             <p:ph type="title"/>
@@ -19372,7 +20301,7 @@
       </p:sp>
       <p:cxnSp>
         <p:nvCxnSpPr>
-          <p:cNvPr id="222" name="Google Shape;222;p33"/>
+          <p:cNvPr id="250" name="Google Shape;250;p35"/>
           <p:cNvCxnSpPr/>
           <p:nvPr/>
         </p:nvCxnSpPr>
@@ -19398,7 +20327,7 @@
       </p:cxnSp>
       <p:sp>
         <p:nvSpPr>
-          <p:cNvPr id="223" name="Google Shape;223;p33"/>
+          <p:cNvPr id="251" name="Google Shape;251;p35"/>
           <p:cNvSpPr txBox="1"/>
           <p:nvPr>
             <p:ph idx="1" type="body"/>
@@ -19407,7 +20336,7 @@
         <p:spPr>
           <a:xfrm>
             <a:off x="313450" y="5490150"/>
-            <a:ext cx="11827500" cy="1147500"/>
+            <a:ext cx="11827500" cy="782400"/>
           </a:xfrm>
           <a:prstGeom prst="rect">
             <a:avLst/>
@@ -19463,7 +20392,7 @@
             <a:endParaRPr sz="1800"/>
           </a:p>
           <a:p>
-            <a:pPr indent="0" lvl="0" marL="457200" rtl="0" algn="l">
+            <a:pPr indent="0" lvl="0" marL="0" rtl="0" algn="l">
               <a:lnSpc>
                 <a:spcPct val="100000"/>
               </a:lnSpc>
@@ -19479,6 +20408,50 @@
               <a:t/>
             </a:r>
             <a:endParaRPr b="1" sz="1800"/>
+          </a:p>
+        </p:txBody>
+      </p:sp>
+      <p:sp>
+        <p:nvSpPr>
+          <p:cNvPr id="252" name="Google Shape;252;p35"/>
+          <p:cNvSpPr txBox="1"/>
+          <p:nvPr>
+            <p:ph idx="12" type="sldNum"/>
+          </p:nvPr>
+        </p:nvSpPr>
+        <p:spPr>
+          <a:xfrm>
+            <a:off x="8610600" y="6356350"/>
+            <a:ext cx="2743200" cy="365100"/>
+          </a:xfrm>
+          <a:prstGeom prst="rect">
+            <a:avLst/>
+          </a:prstGeom>
+          <a:noFill/>
+          <a:ln>
+            <a:noFill/>
+          </a:ln>
+        </p:spPr>
+        <p:txBody>
+          <a:bodyPr anchorCtr="0" anchor="t" bIns="45700" lIns="91425" spcFirstLastPara="1" rIns="91425" wrap="square" tIns="45700">
+            <a:noAutofit/>
+          </a:bodyPr>
+          <a:lstStyle/>
+          <a:p>
+            <a:pPr indent="0" lvl="0" marL="0" rtl="0" algn="r">
+              <a:spcBef>
+                <a:spcPts val="0"/>
+              </a:spcBef>
+              <a:spcAft>
+                <a:spcPts val="0"/>
+              </a:spcAft>
+              <a:buNone/>
+            </a:pPr>
+            <a:fld id="{00000000-1234-1234-1234-123412341234}" type="slidenum">
+              <a:rPr lang="en-US"/>
+              <a:t>‹#›</a:t>
+            </a:fld>
+            <a:endParaRPr/>
           </a:p>
         </p:txBody>
       </p:sp>
@@ -19490,12 +20463,12 @@
 </p:sld>
 </file>
 
-<file path=ppt/slides/slide11.xml><?xml version="1.0" encoding="utf-8"?>
+<file path=ppt/slides/slide13.xml><?xml version="1.0" encoding="utf-8"?>
 <p:sld xmlns:a="http://schemas.openxmlformats.org/drawingml/2006/main" xmlns:r="http://schemas.openxmlformats.org/officeDocument/2006/relationships" xmlns:mc="http://schemas.openxmlformats.org/markup-compatibility/2006" xmlns:mv="urn:schemas-microsoft-com:mac:vml" xmlns:p="http://schemas.openxmlformats.org/presentationml/2006/main" xmlns:c="http://schemas.openxmlformats.org/drawingml/2006/chart" xmlns:dgm="http://schemas.openxmlformats.org/drawingml/2006/diagram" xmlns:o="urn:schemas-microsoft-com:office:office" xmlns:v="urn:schemas-microsoft-com:vml" xmlns:pvml="urn:schemas-microsoft-com:office:powerpoint" xmlns:com="http://schemas.openxmlformats.org/drawingml/2006/compatibility" xmlns:p14="http://schemas.microsoft.com/office/powerpoint/2010/main" xmlns:p15="http://schemas.microsoft.com/office/powerpoint/2012/main" xmlns:ahyp="http://schemas.microsoft.com/office/drawing/2018/hyperlinkcolor">
   <p:cSld>
     <p:spTree>
       <p:nvGrpSpPr>
-        <p:cNvPr id="227" name="Shape 227"/>
+        <p:cNvPr id="256" name="Shape 256"/>
         <p:cNvGrpSpPr/>
         <p:nvPr/>
       </p:nvGrpSpPr>
@@ -19509,7 +20482,7 @@
       </p:grpSpPr>
       <p:sp>
         <p:nvSpPr>
-          <p:cNvPr id="228" name="Google Shape;228;p34"/>
+          <p:cNvPr id="257" name="Google Shape;257;p36"/>
           <p:cNvSpPr txBox="1"/>
           <p:nvPr>
             <p:ph idx="12" type="sldNum"/>
@@ -19553,7 +20526,7 @@
       </p:sp>
       <p:sp>
         <p:nvSpPr>
-          <p:cNvPr id="229" name="Google Shape;229;p34"/>
+          <p:cNvPr id="258" name="Google Shape;258;p36"/>
           <p:cNvSpPr txBox="1"/>
           <p:nvPr/>
         </p:nvSpPr>
@@ -19611,7 +20584,7 @@
       </p:sp>
       <p:sp>
         <p:nvSpPr>
-          <p:cNvPr id="230" name="Google Shape;230;p34"/>
+          <p:cNvPr id="259" name="Google Shape;259;p36"/>
           <p:cNvSpPr txBox="1"/>
           <p:nvPr/>
         </p:nvSpPr>
@@ -19669,7 +20642,7 @@
       </p:sp>
       <p:pic>
         <p:nvPicPr>
-          <p:cNvPr descr="User" id="231" name="Google Shape;231;p34"/>
+          <p:cNvPr descr="User" id="260" name="Google Shape;260;p36"/>
           <p:cNvPicPr preferRelativeResize="0"/>
           <p:nvPr/>
         </p:nvPicPr>
@@ -19696,7 +20669,7 @@
       </p:pic>
       <p:pic>
         <p:nvPicPr>
-          <p:cNvPr descr="User" id="232" name="Google Shape;232;p34"/>
+          <p:cNvPr descr="User" id="261" name="Google Shape;261;p36"/>
           <p:cNvPicPr preferRelativeResize="0"/>
           <p:nvPr/>
         </p:nvPicPr>
@@ -19723,7 +20696,7 @@
       </p:pic>
       <p:sp>
         <p:nvSpPr>
-          <p:cNvPr id="233" name="Google Shape;233;p34"/>
+          <p:cNvPr id="262" name="Google Shape;262;p36"/>
           <p:cNvSpPr txBox="1"/>
           <p:nvPr/>
         </p:nvSpPr>
@@ -19781,7 +20754,7 @@
       </p:sp>
       <p:pic>
         <p:nvPicPr>
-          <p:cNvPr descr="User" id="234" name="Google Shape;234;p34"/>
+          <p:cNvPr descr="User" id="263" name="Google Shape;263;p36"/>
           <p:cNvPicPr preferRelativeResize="0"/>
           <p:nvPr/>
         </p:nvPicPr>
@@ -19808,7 +20781,7 @@
       </p:pic>
       <p:sp>
         <p:nvSpPr>
-          <p:cNvPr id="235" name="Google Shape;235;p34"/>
+          <p:cNvPr id="264" name="Google Shape;264;p36"/>
           <p:cNvSpPr txBox="1"/>
           <p:nvPr/>
         </p:nvSpPr>
@@ -19866,7 +20839,7 @@
       </p:sp>
       <p:sp>
         <p:nvSpPr>
-          <p:cNvPr id="236" name="Google Shape;236;p34"/>
+          <p:cNvPr id="265" name="Google Shape;265;p36"/>
           <p:cNvSpPr txBox="1"/>
           <p:nvPr/>
         </p:nvSpPr>
@@ -20090,7 +21063,7 @@
       </p:sp>
       <p:sp>
         <p:nvSpPr>
-          <p:cNvPr id="237" name="Google Shape;237;p34"/>
+          <p:cNvPr id="266" name="Google Shape;266;p36"/>
           <p:cNvSpPr txBox="1"/>
           <p:nvPr/>
         </p:nvSpPr>
@@ -20285,7 +21258,7 @@
       </p:sp>
       <p:pic>
         <p:nvPicPr>
-          <p:cNvPr descr="User" id="238" name="Google Shape;238;p34"/>
+          <p:cNvPr descr="User" id="267" name="Google Shape;267;p36"/>
           <p:cNvPicPr preferRelativeResize="0"/>
           <p:nvPr/>
         </p:nvPicPr>
@@ -20312,7 +21285,7 @@
       </p:pic>
       <p:sp>
         <p:nvSpPr>
-          <p:cNvPr id="239" name="Google Shape;239;p34"/>
+          <p:cNvPr id="268" name="Google Shape;268;p36"/>
           <p:cNvSpPr txBox="1"/>
           <p:nvPr/>
         </p:nvSpPr>
@@ -20370,7 +21343,7 @@
       </p:sp>
       <p:pic>
         <p:nvPicPr>
-          <p:cNvPr descr="User" id="240" name="Google Shape;240;p34"/>
+          <p:cNvPr descr="User" id="269" name="Google Shape;269;p36"/>
           <p:cNvPicPr preferRelativeResize="0"/>
           <p:nvPr/>
         </p:nvPicPr>
@@ -20397,7 +21370,7 @@
       </p:pic>
       <p:sp>
         <p:nvSpPr>
-          <p:cNvPr id="241" name="Google Shape;241;p34"/>
+          <p:cNvPr id="270" name="Google Shape;270;p36"/>
           <p:cNvSpPr txBox="1"/>
           <p:nvPr/>
         </p:nvSpPr>
@@ -20455,7 +21428,7 @@
       </p:sp>
       <p:sp>
         <p:nvSpPr>
-          <p:cNvPr id="242" name="Google Shape;242;p34"/>
+          <p:cNvPr id="271" name="Google Shape;271;p36"/>
           <p:cNvSpPr txBox="1"/>
           <p:nvPr/>
         </p:nvSpPr>
@@ -20576,14 +21549,14 @@
       </p:sp>
       <p:sp>
         <p:nvSpPr>
-          <p:cNvPr id="243" name="Google Shape;243;p34"/>
+          <p:cNvPr id="272" name="Google Shape;272;p36"/>
           <p:cNvSpPr txBox="1"/>
           <p:nvPr/>
         </p:nvSpPr>
         <p:spPr>
           <a:xfrm>
             <a:off x="9215307" y="3054979"/>
-            <a:ext cx="2992800" cy="369300"/>
+            <a:ext cx="2992800" cy="1200600"/>
           </a:xfrm>
           <a:prstGeom prst="rect">
             <a:avLst/>
@@ -20625,7 +21598,89 @@
               </a:rPr>
               <a:t>Model building</a:t>
             </a:r>
-            <a:endParaRPr/>
+            <a:endParaRPr sz="1800">
+              <a:solidFill>
+                <a:schemeClr val="lt1"/>
+              </a:solidFill>
+              <a:latin typeface="Calibri"/>
+              <a:ea typeface="Calibri"/>
+              <a:cs typeface="Calibri"/>
+              <a:sym typeface="Calibri"/>
+            </a:endParaRPr>
+          </a:p>
+          <a:p>
+            <a:pPr indent="-285750" lvl="0" marL="285750" marR="0" rtl="0" algn="l">
+              <a:spcBef>
+                <a:spcPts val="0"/>
+              </a:spcBef>
+              <a:spcAft>
+                <a:spcPts val="0"/>
+              </a:spcAft>
+              <a:buClr>
+                <a:schemeClr val="lt1"/>
+              </a:buClr>
+              <a:buSzPts val="1800"/>
+              <a:buFont typeface="Calibri"/>
+              <a:buChar char="•"/>
+            </a:pPr>
+            <a:r>
+              <a:rPr lang="en-US" sz="1800">
+                <a:solidFill>
+                  <a:schemeClr val="lt1"/>
+                </a:solidFill>
+                <a:latin typeface="Calibri"/>
+                <a:ea typeface="Calibri"/>
+                <a:cs typeface="Calibri"/>
+                <a:sym typeface="Calibri"/>
+              </a:rPr>
+              <a:t>Slide deck for final presentation</a:t>
+            </a:r>
+            <a:endParaRPr sz="1800">
+              <a:solidFill>
+                <a:schemeClr val="lt1"/>
+              </a:solidFill>
+              <a:latin typeface="Calibri"/>
+              <a:ea typeface="Calibri"/>
+              <a:cs typeface="Calibri"/>
+              <a:sym typeface="Calibri"/>
+            </a:endParaRPr>
+          </a:p>
+          <a:p>
+            <a:pPr indent="-285750" lvl="0" marL="285750" marR="0" rtl="0" algn="l">
+              <a:spcBef>
+                <a:spcPts val="0"/>
+              </a:spcBef>
+              <a:spcAft>
+                <a:spcPts val="0"/>
+              </a:spcAft>
+              <a:buClr>
+                <a:schemeClr val="lt1"/>
+              </a:buClr>
+              <a:buSzPts val="1800"/>
+              <a:buFont typeface="Calibri"/>
+              <a:buChar char="•"/>
+            </a:pPr>
+            <a:r>
+              <a:rPr lang="en-US" sz="1800">
+                <a:solidFill>
+                  <a:schemeClr val="lt1"/>
+                </a:solidFill>
+                <a:latin typeface="Calibri"/>
+                <a:ea typeface="Calibri"/>
+                <a:cs typeface="Calibri"/>
+                <a:sym typeface="Calibri"/>
+              </a:rPr>
+              <a:t>Research paper</a:t>
+            </a:r>
+            <a:endParaRPr sz="1800">
+              <a:solidFill>
+                <a:schemeClr val="lt1"/>
+              </a:solidFill>
+              <a:latin typeface="Calibri"/>
+              <a:ea typeface="Calibri"/>
+              <a:cs typeface="Calibri"/>
+              <a:sym typeface="Calibri"/>
+            </a:endParaRPr>
           </a:p>
         </p:txBody>
       </p:sp>
@@ -20637,12 +21692,12 @@
 </p:sld>
 </file>
 
-<file path=ppt/slides/slide12.xml><?xml version="1.0" encoding="utf-8"?>
+<file path=ppt/slides/slide14.xml><?xml version="1.0" encoding="utf-8"?>
 <p:sld xmlns:a="http://schemas.openxmlformats.org/drawingml/2006/main" xmlns:r="http://schemas.openxmlformats.org/officeDocument/2006/relationships" xmlns:mc="http://schemas.openxmlformats.org/markup-compatibility/2006" xmlns:mv="urn:schemas-microsoft-com:mac:vml" xmlns:p="http://schemas.openxmlformats.org/presentationml/2006/main" xmlns:c="http://schemas.openxmlformats.org/drawingml/2006/chart" xmlns:dgm="http://schemas.openxmlformats.org/drawingml/2006/diagram" xmlns:o="urn:schemas-microsoft-com:office:office" xmlns:v="urn:schemas-microsoft-com:vml" xmlns:pvml="urn:schemas-microsoft-com:office:powerpoint" xmlns:com="http://schemas.openxmlformats.org/drawingml/2006/compatibility" xmlns:p14="http://schemas.microsoft.com/office/powerpoint/2010/main" xmlns:p15="http://schemas.microsoft.com/office/powerpoint/2012/main" xmlns:ahyp="http://schemas.microsoft.com/office/drawing/2018/hyperlinkcolor">
   <p:cSld>
     <p:spTree>
       <p:nvGrpSpPr>
-        <p:cNvPr id="247" name="Shape 247"/>
+        <p:cNvPr id="276" name="Shape 276"/>
         <p:cNvGrpSpPr/>
         <p:nvPr/>
       </p:nvGrpSpPr>
@@ -20656,7 +21711,7 @@
       </p:grpSpPr>
       <p:sp>
         <p:nvSpPr>
-          <p:cNvPr id="248" name="Google Shape;248;p35"/>
+          <p:cNvPr id="277" name="Google Shape;277;p37"/>
           <p:cNvSpPr txBox="1"/>
           <p:nvPr>
             <p:ph idx="12" type="sldNum"/>
@@ -20700,7 +21755,7 @@
       </p:sp>
       <p:sp>
         <p:nvSpPr>
-          <p:cNvPr id="249" name="Google Shape;249;p35"/>
+          <p:cNvPr id="278" name="Google Shape;278;p37"/>
           <p:cNvSpPr txBox="1"/>
           <p:nvPr/>
         </p:nvSpPr>
@@ -20758,10 +21813,10 @@
       </p:sp>
       <p:cxnSp>
         <p:nvCxnSpPr>
-          <p:cNvPr id="250" name="Google Shape;250;p35"/>
+          <p:cNvPr id="279" name="Google Shape;279;p37"/>
           <p:cNvCxnSpPr>
-            <a:stCxn id="251" idx="0"/>
-            <a:endCxn id="252" idx="4"/>
+            <a:stCxn id="280" idx="0"/>
+            <a:endCxn id="281" idx="4"/>
           </p:cNvCxnSpPr>
           <p:nvPr/>
         </p:nvCxnSpPr>
@@ -20787,7 +21842,7 @@
       </p:cxnSp>
       <p:sp>
         <p:nvSpPr>
-          <p:cNvPr id="251" name="Google Shape;251;p35"/>
+          <p:cNvPr id="280" name="Google Shape;280;p37"/>
           <p:cNvSpPr/>
           <p:nvPr/>
         </p:nvSpPr>
@@ -20844,7 +21899,7 @@
       </p:sp>
       <p:cxnSp>
         <p:nvCxnSpPr>
-          <p:cNvPr id="253" name="Google Shape;253;p35"/>
+          <p:cNvPr id="282" name="Google Shape;282;p37"/>
           <p:cNvCxnSpPr/>
           <p:nvPr/>
         </p:nvCxnSpPr>
@@ -20870,7 +21925,7 @@
       </p:cxnSp>
       <p:sp>
         <p:nvSpPr>
-          <p:cNvPr id="254" name="Google Shape;254;p35"/>
+          <p:cNvPr id="283" name="Google Shape;283;p37"/>
           <p:cNvSpPr/>
           <p:nvPr/>
         </p:nvSpPr>
@@ -20927,10 +21982,10 @@
       </p:sp>
       <p:cxnSp>
         <p:nvCxnSpPr>
-          <p:cNvPr id="255" name="Google Shape;255;p35"/>
+          <p:cNvPr id="284" name="Google Shape;284;p37"/>
           <p:cNvCxnSpPr>
-            <a:stCxn id="256" idx="0"/>
-            <a:endCxn id="257" idx="4"/>
+            <a:stCxn id="285" idx="0"/>
+            <a:endCxn id="286" idx="4"/>
           </p:cNvCxnSpPr>
           <p:nvPr/>
         </p:nvCxnSpPr>
@@ -20956,7 +22011,7 @@
       </p:cxnSp>
       <p:cxnSp>
         <p:nvCxnSpPr>
-          <p:cNvPr id="258" name="Google Shape;258;p35"/>
+          <p:cNvPr id="287" name="Google Shape;287;p37"/>
           <p:cNvCxnSpPr/>
           <p:nvPr/>
         </p:nvCxnSpPr>
@@ -20982,10 +22037,10 @@
       </p:cxnSp>
       <p:cxnSp>
         <p:nvCxnSpPr>
-          <p:cNvPr id="259" name="Google Shape;259;p35"/>
+          <p:cNvPr id="288" name="Google Shape;288;p37"/>
           <p:cNvCxnSpPr>
-            <a:stCxn id="260" idx="0"/>
-            <a:endCxn id="261" idx="4"/>
+            <a:stCxn id="289" idx="0"/>
+            <a:endCxn id="290" idx="4"/>
           </p:cNvCxnSpPr>
           <p:nvPr/>
         </p:nvCxnSpPr>
@@ -21011,7 +22066,7 @@
       </p:cxnSp>
       <p:grpSp>
         <p:nvGrpSpPr>
-          <p:cNvPr id="262" name="Google Shape;262;p35"/>
+          <p:cNvPr id="291" name="Google Shape;291;p37"/>
           <p:cNvGrpSpPr/>
           <p:nvPr/>
         </p:nvGrpSpPr>
@@ -21025,7 +22080,7 @@
         </p:grpSpPr>
         <p:sp>
           <p:nvSpPr>
-            <p:cNvPr id="263" name="Google Shape;263;p35"/>
+            <p:cNvPr id="292" name="Google Shape;292;p37"/>
             <p:cNvSpPr/>
             <p:nvPr/>
           </p:nvSpPr>
@@ -21090,7 +22145,7 @@
         </p:sp>
         <p:sp>
           <p:nvSpPr>
-            <p:cNvPr id="264" name="Google Shape;264;p35"/>
+            <p:cNvPr id="293" name="Google Shape;293;p37"/>
             <p:cNvSpPr/>
             <p:nvPr/>
           </p:nvSpPr>
@@ -21155,7 +22210,7 @@
         </p:sp>
         <p:sp>
           <p:nvSpPr>
-            <p:cNvPr id="265" name="Google Shape;265;p35"/>
+            <p:cNvPr id="294" name="Google Shape;294;p37"/>
             <p:cNvSpPr/>
             <p:nvPr/>
           </p:nvSpPr>
@@ -21220,7 +22275,7 @@
         </p:sp>
         <p:sp>
           <p:nvSpPr>
-            <p:cNvPr id="266" name="Google Shape;266;p35"/>
+            <p:cNvPr id="295" name="Google Shape;295;p37"/>
             <p:cNvSpPr/>
             <p:nvPr/>
           </p:nvSpPr>
@@ -21287,7 +22342,7 @@
         </p:sp>
         <p:sp>
           <p:nvSpPr>
-            <p:cNvPr id="267" name="Google Shape;267;p35"/>
+            <p:cNvPr id="296" name="Google Shape;296;p37"/>
             <p:cNvSpPr/>
             <p:nvPr/>
           </p:nvSpPr>
@@ -21353,7 +22408,7 @@
       </p:grpSp>
       <p:sp>
         <p:nvSpPr>
-          <p:cNvPr id="261" name="Google Shape;261;p35"/>
+          <p:cNvPr id="290" name="Google Shape;290;p37"/>
           <p:cNvSpPr/>
           <p:nvPr/>
         </p:nvSpPr>
@@ -21410,7 +22465,7 @@
       </p:sp>
       <p:sp>
         <p:nvSpPr>
-          <p:cNvPr id="268" name="Google Shape;268;p35"/>
+          <p:cNvPr id="297" name="Google Shape;297;p37"/>
           <p:cNvSpPr/>
           <p:nvPr/>
         </p:nvSpPr>
@@ -21467,7 +22522,7 @@
       </p:sp>
       <p:sp>
         <p:nvSpPr>
-          <p:cNvPr id="257" name="Google Shape;257;p35"/>
+          <p:cNvPr id="286" name="Google Shape;286;p37"/>
           <p:cNvSpPr/>
           <p:nvPr/>
         </p:nvSpPr>
@@ -21524,7 +22579,7 @@
       </p:sp>
       <p:sp>
         <p:nvSpPr>
-          <p:cNvPr id="269" name="Google Shape;269;p35"/>
+          <p:cNvPr id="298" name="Google Shape;298;p37"/>
           <p:cNvSpPr/>
           <p:nvPr/>
         </p:nvSpPr>
@@ -21581,7 +22636,7 @@
       </p:sp>
       <p:sp>
         <p:nvSpPr>
-          <p:cNvPr id="252" name="Google Shape;252;p35"/>
+          <p:cNvPr id="281" name="Google Shape;281;p37"/>
           <p:cNvSpPr/>
           <p:nvPr/>
         </p:nvSpPr>
@@ -21638,7 +22693,7 @@
       </p:sp>
       <p:sp>
         <p:nvSpPr>
-          <p:cNvPr id="260" name="Google Shape;260;p35"/>
+          <p:cNvPr id="289" name="Google Shape;289;p37"/>
           <p:cNvSpPr/>
           <p:nvPr/>
         </p:nvSpPr>
@@ -21695,7 +22750,7 @@
       </p:sp>
       <p:sp>
         <p:nvSpPr>
-          <p:cNvPr id="270" name="Google Shape;270;p35"/>
+          <p:cNvPr id="299" name="Google Shape;299;p37"/>
           <p:cNvSpPr txBox="1"/>
           <p:nvPr/>
         </p:nvSpPr>
@@ -21840,7 +22895,7 @@
       </p:sp>
       <p:sp>
         <p:nvSpPr>
-          <p:cNvPr id="271" name="Google Shape;271;p35"/>
+          <p:cNvPr id="300" name="Google Shape;300;p37"/>
           <p:cNvSpPr txBox="1"/>
           <p:nvPr/>
         </p:nvSpPr>
@@ -21901,7 +22956,7 @@
       </p:sp>
       <p:sp>
         <p:nvSpPr>
-          <p:cNvPr id="272" name="Google Shape;272;p35"/>
+          <p:cNvPr id="301" name="Google Shape;301;p37"/>
           <p:cNvSpPr/>
           <p:nvPr/>
         </p:nvSpPr>
@@ -21958,7 +23013,7 @@
       </p:sp>
       <p:sp>
         <p:nvSpPr>
-          <p:cNvPr id="273" name="Google Shape;273;p35"/>
+          <p:cNvPr id="302" name="Google Shape;302;p37"/>
           <p:cNvSpPr txBox="1"/>
           <p:nvPr/>
         </p:nvSpPr>
@@ -22019,7 +23074,7 @@
       </p:sp>
       <p:sp>
         <p:nvSpPr>
-          <p:cNvPr id="274" name="Google Shape;274;p35"/>
+          <p:cNvPr id="303" name="Google Shape;303;p37"/>
           <p:cNvSpPr txBox="1"/>
           <p:nvPr/>
         </p:nvSpPr>
@@ -22172,7 +23227,7 @@
       </p:sp>
       <p:sp>
         <p:nvSpPr>
-          <p:cNvPr id="256" name="Google Shape;256;p35"/>
+          <p:cNvPr id="285" name="Google Shape;285;p37"/>
           <p:cNvSpPr/>
           <p:nvPr/>
         </p:nvSpPr>
@@ -22229,7 +23284,7 @@
       </p:sp>
       <p:sp>
         <p:nvSpPr>
-          <p:cNvPr id="275" name="Google Shape;275;p35"/>
+          <p:cNvPr id="304" name="Google Shape;304;p37"/>
           <p:cNvSpPr txBox="1"/>
           <p:nvPr/>
         </p:nvSpPr>
@@ -22290,7 +23345,7 @@
       </p:sp>
       <p:pic>
         <p:nvPicPr>
-          <p:cNvPr descr="Bullseye" id="276" name="Google Shape;276;p35"/>
+          <p:cNvPr descr="Bullseye" id="305" name="Google Shape;305;p37"/>
           <p:cNvPicPr preferRelativeResize="0"/>
           <p:nvPr/>
         </p:nvPicPr>
@@ -22317,7 +23372,7 @@
       </p:pic>
       <p:pic>
         <p:nvPicPr>
-          <p:cNvPr descr="Database" id="277" name="Google Shape;277;p35"/>
+          <p:cNvPr descr="Database" id="306" name="Google Shape;306;p37"/>
           <p:cNvPicPr preferRelativeResize="0"/>
           <p:nvPr/>
         </p:nvPicPr>
@@ -22344,7 +23399,7 @@
       </p:pic>
       <p:pic>
         <p:nvPicPr>
-          <p:cNvPr descr="Statistics" id="278" name="Google Shape;278;p35"/>
+          <p:cNvPr descr="Statistics" id="307" name="Google Shape;307;p37"/>
           <p:cNvPicPr preferRelativeResize="0"/>
           <p:nvPr/>
         </p:nvPicPr>
@@ -22371,7 +23426,7 @@
       </p:pic>
       <p:sp>
         <p:nvSpPr>
-          <p:cNvPr id="279" name="Google Shape;279;p35"/>
+          <p:cNvPr id="308" name="Google Shape;308;p37"/>
           <p:cNvSpPr txBox="1"/>
           <p:nvPr/>
         </p:nvSpPr>
@@ -22507,7 +23562,7 @@
       </p:sp>
       <p:sp>
         <p:nvSpPr>
-          <p:cNvPr id="280" name="Google Shape;280;p35"/>
+          <p:cNvPr id="309" name="Google Shape;309;p37"/>
           <p:cNvSpPr txBox="1"/>
           <p:nvPr/>
         </p:nvSpPr>
@@ -22629,7 +23684,7 @@
       </p:sp>
       <p:sp>
         <p:nvSpPr>
-          <p:cNvPr id="281" name="Google Shape;281;p35"/>
+          <p:cNvPr id="310" name="Google Shape;310;p37"/>
           <p:cNvSpPr txBox="1"/>
           <p:nvPr/>
         </p:nvSpPr>
@@ -22690,7 +23745,7 @@
       </p:sp>
       <p:sp>
         <p:nvSpPr>
-          <p:cNvPr id="282" name="Google Shape;282;p35"/>
+          <p:cNvPr id="311" name="Google Shape;311;p37"/>
           <p:cNvSpPr txBox="1"/>
           <p:nvPr/>
         </p:nvSpPr>
@@ -22751,7 +23806,7 @@
       </p:sp>
       <p:pic>
         <p:nvPicPr>
-          <p:cNvPr descr="Connections" id="283" name="Google Shape;283;p35"/>
+          <p:cNvPr descr="Connections" id="312" name="Google Shape;312;p37"/>
           <p:cNvPicPr preferRelativeResize="0"/>
           <p:nvPr/>
         </p:nvPicPr>
@@ -22778,7 +23833,7 @@
       </p:pic>
       <p:sp>
         <p:nvSpPr>
-          <p:cNvPr id="284" name="Google Shape;284;p35"/>
+          <p:cNvPr id="313" name="Google Shape;313;p37"/>
           <p:cNvSpPr txBox="1"/>
           <p:nvPr/>
         </p:nvSpPr>
@@ -22948,7 +24003,7 @@
       </p:sp>
       <p:pic>
         <p:nvPicPr>
-          <p:cNvPr id="285" name="Google Shape;285;p35"/>
+          <p:cNvPr id="314" name="Google Shape;314;p37"/>
           <p:cNvPicPr preferRelativeResize="0"/>
           <p:nvPr/>
         </p:nvPicPr>
@@ -22981,12 +24036,12 @@
 </p:sld>
 </file>
 
-<file path=ppt/slides/slide13.xml><?xml version="1.0" encoding="utf-8"?>
+<file path=ppt/slides/slide15.xml><?xml version="1.0" encoding="utf-8"?>
 <p:sld xmlns:a="http://schemas.openxmlformats.org/drawingml/2006/main" xmlns:r="http://schemas.openxmlformats.org/officeDocument/2006/relationships" xmlns:mc="http://schemas.openxmlformats.org/markup-compatibility/2006" xmlns:mv="urn:schemas-microsoft-com:mac:vml" xmlns:p="http://schemas.openxmlformats.org/presentationml/2006/main" xmlns:c="http://schemas.openxmlformats.org/drawingml/2006/chart" xmlns:dgm="http://schemas.openxmlformats.org/drawingml/2006/diagram" xmlns:o="urn:schemas-microsoft-com:office:office" xmlns:v="urn:schemas-microsoft-com:vml" xmlns:pvml="urn:schemas-microsoft-com:office:powerpoint" xmlns:com="http://schemas.openxmlformats.org/drawingml/2006/compatibility" xmlns:p14="http://schemas.microsoft.com/office/powerpoint/2010/main" xmlns:p15="http://schemas.microsoft.com/office/powerpoint/2012/main" xmlns:ahyp="http://schemas.microsoft.com/office/drawing/2018/hyperlinkcolor">
   <p:cSld>
     <p:spTree>
       <p:nvGrpSpPr>
-        <p:cNvPr id="289" name="Shape 289"/>
+        <p:cNvPr id="318" name="Shape 318"/>
         <p:cNvGrpSpPr/>
         <p:nvPr/>
       </p:nvGrpSpPr>
@@ -23000,7 +24055,7 @@
       </p:grpSpPr>
       <p:sp>
         <p:nvSpPr>
-          <p:cNvPr id="290" name="Google Shape;290;p36"/>
+          <p:cNvPr id="319" name="Google Shape;319;p38"/>
           <p:cNvSpPr txBox="1"/>
           <p:nvPr/>
         </p:nvSpPr>
@@ -23142,7 +24197,7 @@
         <p:spPr>
           <a:xfrm>
             <a:off x="463119" y="655468"/>
-            <a:ext cx="11731800" cy="2247300"/>
+            <a:ext cx="11731800" cy="2031900"/>
           </a:xfrm>
           <a:prstGeom prst="rect">
             <a:avLst/>
@@ -23266,7 +24321,7 @@
                 <a:cs typeface="Century Gothic"/>
                 <a:sym typeface="Century Gothic"/>
               </a:rPr>
-              <a:t>Project Objectives:</a:t>
+              <a:t>Project Objective:</a:t>
             </a:r>
             <a:endParaRPr sz="1400">
               <a:solidFill>
@@ -23303,7 +24358,31 @@
                 <a:cs typeface="Century Gothic"/>
                 <a:sym typeface="Century Gothic"/>
               </a:rPr>
-              <a:t>To classify the medical specialties(clinical domains) based on  patient's medical transcriptions – to automatically predict the initial diagnostics needed for the patient and to </a:t>
+              <a:t>To acc</a:t>
+            </a:r>
+            <a:r>
+              <a:rPr lang="en-US">
+                <a:solidFill>
+                  <a:srgbClr val="171616"/>
+                </a:solidFill>
+                <a:latin typeface="Century Gothic"/>
+                <a:ea typeface="Century Gothic"/>
+                <a:cs typeface="Century Gothic"/>
+                <a:sym typeface="Century Gothic"/>
+              </a:rPr>
+              <a:t>urately </a:t>
+            </a:r>
+            <a:r>
+              <a:rPr b="0" i="0" lang="en-US" sz="1400" u="none" cap="none" strike="noStrike">
+                <a:solidFill>
+                  <a:srgbClr val="171616"/>
+                </a:solidFill>
+                <a:latin typeface="Century Gothic"/>
+                <a:ea typeface="Century Gothic"/>
+                <a:cs typeface="Century Gothic"/>
+                <a:sym typeface="Century Gothic"/>
+              </a:rPr>
+              <a:t>classify the medical specialties(clinical domains) based on  patient's medical transcriptions – to automatically predict the initial diagnostics needed for the patient and to </a:t>
             </a:r>
             <a:r>
               <a:rPr lang="en-US">
@@ -23340,35 +24419,6 @@
                 <a:sym typeface="Century Gothic"/>
               </a:rPr>
               <a:t>to the relevant department</a:t>
-            </a:r>
-            <a:endParaRPr/>
-          </a:p>
-          <a:p>
-            <a:pPr indent="-285750" lvl="1" marL="742950" marR="0" rtl="0" algn="l">
-              <a:spcBef>
-                <a:spcPts val="0"/>
-              </a:spcBef>
-              <a:spcAft>
-                <a:spcPts val="0"/>
-              </a:spcAft>
-              <a:buClr>
-                <a:srgbClr val="171616"/>
-              </a:buClr>
-              <a:buSzPts val="1400"/>
-              <a:buFont typeface="Arial"/>
-              <a:buChar char="•"/>
-            </a:pPr>
-            <a:r>
-              <a:rPr lang="en-US">
-                <a:solidFill>
-                  <a:srgbClr val="171616"/>
-                </a:solidFill>
-                <a:latin typeface="Century Gothic"/>
-                <a:ea typeface="Century Gothic"/>
-                <a:cs typeface="Century Gothic"/>
-                <a:sym typeface="Century Gothic"/>
-              </a:rPr>
-              <a:t>Built an api using flask for user interaction</a:t>
             </a:r>
             <a:r>
               <a:rPr b="0" i="0" lang="en-US" sz="1400" u="none" cap="none" strike="noStrike">
@@ -23435,7 +24485,7 @@
                 <a:cs typeface="Century Gothic"/>
                 <a:sym typeface="Century Gothic"/>
               </a:rPr>
-              <a:t>Project flow:</a:t>
+              <a:t>Approach:</a:t>
             </a:r>
             <a:endParaRPr>
               <a:solidFill>
@@ -23477,6 +24527,50 @@
           </a:ln>
         </p:spPr>
       </p:pic>
+      <p:sp>
+        <p:nvSpPr>
+          <p:cNvPr id="143" name="Google Shape;143;p25"/>
+          <p:cNvSpPr txBox="1"/>
+          <p:nvPr>
+            <p:ph idx="12" type="sldNum"/>
+          </p:nvPr>
+        </p:nvSpPr>
+        <p:spPr>
+          <a:xfrm>
+            <a:off x="8610600" y="6356350"/>
+            <a:ext cx="2743200" cy="365100"/>
+          </a:xfrm>
+          <a:prstGeom prst="rect">
+            <a:avLst/>
+          </a:prstGeom>
+          <a:noFill/>
+          <a:ln>
+            <a:noFill/>
+          </a:ln>
+        </p:spPr>
+        <p:txBody>
+          <a:bodyPr anchorCtr="0" anchor="t" bIns="45700" lIns="91425" spcFirstLastPara="1" rIns="91425" wrap="square" tIns="45700">
+            <a:noAutofit/>
+          </a:bodyPr>
+          <a:lstStyle/>
+          <a:p>
+            <a:pPr indent="0" lvl="0" marL="0" rtl="0" algn="r">
+              <a:spcBef>
+                <a:spcPts val="0"/>
+              </a:spcBef>
+              <a:spcAft>
+                <a:spcPts val="0"/>
+              </a:spcAft>
+              <a:buNone/>
+            </a:pPr>
+            <a:fld id="{00000000-1234-1234-1234-123412341234}" type="slidenum">
+              <a:rPr lang="en-US"/>
+              <a:t>‹#›</a:t>
+            </a:fld>
+            <a:endParaRPr/>
+          </a:p>
+        </p:txBody>
+      </p:sp>
     </p:spTree>
   </p:cSld>
   <p:clrMapOvr>
@@ -23490,7 +24584,7 @@
   <p:cSld>
     <p:spTree>
       <p:nvGrpSpPr>
-        <p:cNvPr id="146" name="Shape 146"/>
+        <p:cNvPr id="147" name="Shape 147"/>
         <p:cNvGrpSpPr/>
         <p:nvPr/>
       </p:nvGrpSpPr>
@@ -23504,7 +24598,7 @@
       </p:grpSpPr>
       <p:sp>
         <p:nvSpPr>
-          <p:cNvPr id="147" name="Google Shape;147;p26"/>
+          <p:cNvPr id="148" name="Google Shape;148;p26"/>
           <p:cNvSpPr txBox="1"/>
           <p:nvPr>
             <p:ph idx="12" type="sldNum"/>
@@ -23548,7 +24642,7 @@
       </p:sp>
       <p:sp>
         <p:nvSpPr>
-          <p:cNvPr id="148" name="Google Shape;148;p26"/>
+          <p:cNvPr id="149" name="Google Shape;149;p26"/>
           <p:cNvSpPr txBox="1"/>
           <p:nvPr/>
         </p:nvSpPr>
@@ -23606,7 +24700,7 @@
       </p:sp>
       <p:graphicFrame>
         <p:nvGraphicFramePr>
-          <p:cNvPr id="149" name="Google Shape;149;p26"/>
+          <p:cNvPr id="150" name="Google Shape;150;p26"/>
           <p:cNvGraphicFramePr/>
           <p:nvPr/>
         </p:nvGraphicFramePr>
@@ -23619,7 +24713,7 @@
             <a:tbl>
               <a:tblPr bandRow="1" firstRow="1">
                 <a:noFill/>
-                <a:tableStyleId>{F5636A17-AE82-42E2-9042-AF79CB37597A}</a:tableStyleId>
+                <a:tableStyleId>{147EEA33-11A8-476D-A5DC-BC8F03592A01}</a:tableStyleId>
               </a:tblPr>
               <a:tblGrid>
                 <a:gridCol w="2121575"/>
@@ -24230,7 +25324,7 @@
       </p:graphicFrame>
       <p:sp>
         <p:nvSpPr>
-          <p:cNvPr id="150" name="Google Shape;150;p26"/>
+          <p:cNvPr id="151" name="Google Shape;151;p26"/>
           <p:cNvSpPr/>
           <p:nvPr/>
         </p:nvSpPr>
@@ -24290,7 +25384,7 @@
       </p:sp>
       <p:sp>
         <p:nvSpPr>
-          <p:cNvPr id="151" name="Google Shape;151;p26"/>
+          <p:cNvPr id="152" name="Google Shape;152;p26"/>
           <p:cNvSpPr/>
           <p:nvPr/>
         </p:nvSpPr>
@@ -24347,7 +25441,7 @@
       </p:sp>
       <p:sp>
         <p:nvSpPr>
-          <p:cNvPr id="152" name="Google Shape;152;p26"/>
+          <p:cNvPr id="153" name="Google Shape;153;p26"/>
           <p:cNvSpPr/>
           <p:nvPr/>
         </p:nvSpPr>
@@ -24402,7 +25496,7 @@
       </p:sp>
       <p:sp>
         <p:nvSpPr>
-          <p:cNvPr id="153" name="Google Shape;153;p26"/>
+          <p:cNvPr id="154" name="Google Shape;154;p26"/>
           <p:cNvSpPr txBox="1"/>
           <p:nvPr/>
         </p:nvSpPr>
@@ -24452,7 +25546,7 @@
       </p:sp>
       <p:pic>
         <p:nvPicPr>
-          <p:cNvPr descr="User" id="154" name="Google Shape;154;p26"/>
+          <p:cNvPr descr="User" id="155" name="Google Shape;155;p26"/>
           <p:cNvPicPr preferRelativeResize="0"/>
           <p:nvPr/>
         </p:nvPicPr>
@@ -24479,7 +25573,7 @@
       </p:pic>
       <p:pic>
         <p:nvPicPr>
-          <p:cNvPr descr="Text&#10;&#10;Description automatically generated" id="155" name="Google Shape;155;p26"/>
+          <p:cNvPr descr="Text&#10;&#10;Description automatically generated" id="156" name="Google Shape;156;p26"/>
           <p:cNvPicPr preferRelativeResize="0"/>
           <p:nvPr/>
         </p:nvPicPr>
@@ -24512,7 +25606,7 @@
       </p:pic>
       <p:sp>
         <p:nvSpPr>
-          <p:cNvPr id="156" name="Google Shape;156;p26"/>
+          <p:cNvPr id="157" name="Google Shape;157;p26"/>
           <p:cNvSpPr txBox="1"/>
           <p:nvPr/>
         </p:nvSpPr>
@@ -24570,7 +25664,7 @@
       </p:sp>
       <p:sp>
         <p:nvSpPr>
-          <p:cNvPr id="157" name="Google Shape;157;p26"/>
+          <p:cNvPr id="158" name="Google Shape;158;p26"/>
           <p:cNvSpPr txBox="1"/>
           <p:nvPr/>
         </p:nvSpPr>
@@ -24758,7 +25852,7 @@
       </p:sp>
       <p:cxnSp>
         <p:nvCxnSpPr>
-          <p:cNvPr id="158" name="Google Shape;158;p26"/>
+          <p:cNvPr id="159" name="Google Shape;159;p26"/>
           <p:cNvCxnSpPr/>
           <p:nvPr/>
         </p:nvCxnSpPr>
@@ -24784,7 +25878,7 @@
       </p:cxnSp>
       <p:sp>
         <p:nvSpPr>
-          <p:cNvPr id="159" name="Google Shape;159;p26"/>
+          <p:cNvPr id="160" name="Google Shape;160;p26"/>
           <p:cNvSpPr txBox="1"/>
           <p:nvPr/>
         </p:nvSpPr>
@@ -24955,7 +26049,7 @@
   <p:cSld>
     <p:spTree>
       <p:nvGrpSpPr>
-        <p:cNvPr id="163" name="Shape 163"/>
+        <p:cNvPr id="164" name="Shape 164"/>
         <p:cNvGrpSpPr/>
         <p:nvPr/>
       </p:nvGrpSpPr>
@@ -24969,7 +26063,7 @@
       </p:grpSpPr>
       <p:sp>
         <p:nvSpPr>
-          <p:cNvPr id="164" name="Google Shape;164;p27"/>
+          <p:cNvPr id="165" name="Google Shape;165;p27"/>
           <p:cNvSpPr txBox="1"/>
           <p:nvPr>
             <p:ph type="title"/>
@@ -25021,7 +26115,7 @@
       </p:sp>
       <p:pic>
         <p:nvPicPr>
-          <p:cNvPr descr="A graph of a number of patients&#10;&#10;Description automatically generated" id="165" name="Google Shape;165;p27"/>
+          <p:cNvPr descr="A graph of a number of patients&#10;&#10;Description automatically generated" id="166" name="Google Shape;166;p27"/>
           <p:cNvPicPr preferRelativeResize="0"/>
           <p:nvPr/>
         </p:nvPicPr>
@@ -25048,7 +26142,7 @@
       </p:pic>
       <p:pic>
         <p:nvPicPr>
-          <p:cNvPr descr="A screenshot of a computer&#10;&#10;Description automatically generated" id="166" name="Google Shape;166;p27"/>
+          <p:cNvPr descr="A screenshot of a computer&#10;&#10;Description automatically generated" id="167" name="Google Shape;167;p27"/>
           <p:cNvPicPr preferRelativeResize="0"/>
           <p:nvPr/>
         </p:nvPicPr>
@@ -25075,7 +26169,7 @@
       </p:pic>
       <p:pic>
         <p:nvPicPr>
-          <p:cNvPr descr="A screenshot of a computer&#10;&#10;Description automatically generated" id="167" name="Google Shape;167;p27"/>
+          <p:cNvPr descr="A screenshot of a computer&#10;&#10;Description automatically generated" id="168" name="Google Shape;168;p27"/>
           <p:cNvPicPr preferRelativeResize="0"/>
           <p:nvPr/>
         </p:nvPicPr>
@@ -25102,7 +26196,7 @@
       </p:pic>
       <p:sp>
         <p:nvSpPr>
-          <p:cNvPr id="168" name="Google Shape;168;p27"/>
+          <p:cNvPr id="169" name="Google Shape;169;p27"/>
           <p:cNvSpPr txBox="1"/>
           <p:nvPr/>
         </p:nvSpPr>
@@ -25158,6 +26252,50 @@
           </a:p>
         </p:txBody>
       </p:sp>
+      <p:sp>
+        <p:nvSpPr>
+          <p:cNvPr id="170" name="Google Shape;170;p27"/>
+          <p:cNvSpPr txBox="1"/>
+          <p:nvPr>
+            <p:ph idx="12" type="sldNum"/>
+          </p:nvPr>
+        </p:nvSpPr>
+        <p:spPr>
+          <a:xfrm>
+            <a:off x="8610600" y="6356350"/>
+            <a:ext cx="2743200" cy="365100"/>
+          </a:xfrm>
+          <a:prstGeom prst="rect">
+            <a:avLst/>
+          </a:prstGeom>
+          <a:noFill/>
+          <a:ln>
+            <a:noFill/>
+          </a:ln>
+        </p:spPr>
+        <p:txBody>
+          <a:bodyPr anchorCtr="0" anchor="t" bIns="45700" lIns="91425" spcFirstLastPara="1" rIns="91425" wrap="square" tIns="45700">
+            <a:noAutofit/>
+          </a:bodyPr>
+          <a:lstStyle/>
+          <a:p>
+            <a:pPr indent="0" lvl="0" marL="0" rtl="0" algn="r">
+              <a:spcBef>
+                <a:spcPts val="0"/>
+              </a:spcBef>
+              <a:spcAft>
+                <a:spcPts val="0"/>
+              </a:spcAft>
+              <a:buNone/>
+            </a:pPr>
+            <a:fld id="{00000000-1234-1234-1234-123412341234}" type="slidenum">
+              <a:rPr lang="en-US"/>
+              <a:t>‹#›</a:t>
+            </a:fld>
+            <a:endParaRPr/>
+          </a:p>
+        </p:txBody>
+      </p:sp>
     </p:spTree>
   </p:cSld>
   <p:clrMapOvr>
@@ -25171,7 +26309,7 @@
   <p:cSld>
     <p:spTree>
       <p:nvGrpSpPr>
-        <p:cNvPr id="172" name="Shape 172"/>
+        <p:cNvPr id="174" name="Shape 174"/>
         <p:cNvGrpSpPr/>
         <p:nvPr/>
       </p:nvGrpSpPr>
@@ -25185,7 +26323,7 @@
       </p:grpSpPr>
       <p:sp>
         <p:nvSpPr>
-          <p:cNvPr id="173" name="Google Shape;173;p28"/>
+          <p:cNvPr id="175" name="Google Shape;175;p28"/>
           <p:cNvSpPr txBox="1"/>
           <p:nvPr>
             <p:ph type="title"/>
@@ -25237,7 +26375,7 @@
       </p:sp>
       <p:sp>
         <p:nvSpPr>
-          <p:cNvPr id="174" name="Google Shape;174;p28"/>
+          <p:cNvPr id="176" name="Google Shape;176;p28"/>
           <p:cNvSpPr txBox="1"/>
           <p:nvPr/>
         </p:nvSpPr>
@@ -25854,6 +26992,50 @@
           </a:p>
         </p:txBody>
       </p:sp>
+      <p:sp>
+        <p:nvSpPr>
+          <p:cNvPr id="177" name="Google Shape;177;p28"/>
+          <p:cNvSpPr txBox="1"/>
+          <p:nvPr>
+            <p:ph idx="12" type="sldNum"/>
+          </p:nvPr>
+        </p:nvSpPr>
+        <p:spPr>
+          <a:xfrm>
+            <a:off x="8610600" y="6356350"/>
+            <a:ext cx="2743200" cy="365100"/>
+          </a:xfrm>
+          <a:prstGeom prst="rect">
+            <a:avLst/>
+          </a:prstGeom>
+          <a:noFill/>
+          <a:ln>
+            <a:noFill/>
+          </a:ln>
+        </p:spPr>
+        <p:txBody>
+          <a:bodyPr anchorCtr="0" anchor="t" bIns="45700" lIns="91425" spcFirstLastPara="1" rIns="91425" wrap="square" tIns="45700">
+            <a:noAutofit/>
+          </a:bodyPr>
+          <a:lstStyle/>
+          <a:p>
+            <a:pPr indent="0" lvl="0" marL="0" rtl="0" algn="r">
+              <a:spcBef>
+                <a:spcPts val="0"/>
+              </a:spcBef>
+              <a:spcAft>
+                <a:spcPts val="0"/>
+              </a:spcAft>
+              <a:buNone/>
+            </a:pPr>
+            <a:fld id="{00000000-1234-1234-1234-123412341234}" type="slidenum">
+              <a:rPr lang="en-US"/>
+              <a:t>‹#›</a:t>
+            </a:fld>
+            <a:endParaRPr/>
+          </a:p>
+        </p:txBody>
+      </p:sp>
     </p:spTree>
   </p:cSld>
   <p:clrMapOvr>
@@ -25867,7 +27049,7 @@
   <p:cSld>
     <p:spTree>
       <p:nvGrpSpPr>
-        <p:cNvPr id="178" name="Shape 178"/>
+        <p:cNvPr id="181" name="Shape 181"/>
         <p:cNvGrpSpPr/>
         <p:nvPr/>
       </p:nvGrpSpPr>
@@ -25881,7 +27063,7 @@
       </p:grpSpPr>
       <p:sp>
         <p:nvSpPr>
-          <p:cNvPr id="179" name="Google Shape;179;p29"/>
+          <p:cNvPr id="182" name="Google Shape;182;p29"/>
           <p:cNvSpPr txBox="1"/>
           <p:nvPr>
             <p:ph type="title"/>
@@ -25937,7 +27119,7 @@
       </p:sp>
       <p:graphicFrame>
         <p:nvGraphicFramePr>
-          <p:cNvPr id="180" name="Google Shape;180;p29"/>
+          <p:cNvPr id="183" name="Google Shape;183;p29"/>
           <p:cNvGraphicFramePr/>
           <p:nvPr/>
         </p:nvGraphicFramePr>
@@ -25950,7 +27132,7 @@
             <a:tbl>
               <a:tblPr>
                 <a:noFill/>
-                <a:tableStyleId>{472880FF-F9C2-4313-A3C6-3D02642A3D4F}</a:tableStyleId>
+                <a:tableStyleId>{E93A88D0-FEA4-454C-8A20-4BC24CAA5DB6}</a:tableStyleId>
               </a:tblPr>
               <a:tblGrid>
                 <a:gridCol w="1714500"/>
@@ -30726,14 +31908,14 @@
       </p:graphicFrame>
       <p:sp>
         <p:nvSpPr>
-          <p:cNvPr id="181" name="Google Shape;181;p29"/>
+          <p:cNvPr id="184" name="Google Shape;184;p29"/>
           <p:cNvSpPr txBox="1"/>
           <p:nvPr/>
         </p:nvSpPr>
         <p:spPr>
           <a:xfrm>
             <a:off x="212800" y="4667325"/>
-            <a:ext cx="11137800" cy="1416000"/>
+            <a:ext cx="11137800" cy="1431600"/>
           </a:xfrm>
           <a:prstGeom prst="rect">
             <a:avLst/>
@@ -30749,19 +31931,27 @@
           </a:bodyPr>
           <a:lstStyle/>
           <a:p>
-            <a:pPr indent="-330200" lvl="0" marL="457200" rtl="0" algn="l">
-              <a:spcBef>
-                <a:spcPts val="0"/>
-              </a:spcBef>
-              <a:spcAft>
-                <a:spcPts val="0"/>
-              </a:spcAft>
-              <a:buSzPts val="1600"/>
-              <a:buFont typeface="Calibri"/>
-              <a:buChar char="●"/>
+            <a:pPr indent="-342900" lvl="0" marL="457200" marR="0" rtl="0" algn="l">
+              <a:lnSpc>
+                <a:spcPct val="90000"/>
+              </a:lnSpc>
+              <a:spcBef>
+                <a:spcPts val="1000"/>
+              </a:spcBef>
+              <a:spcAft>
+                <a:spcPts val="0"/>
+              </a:spcAft>
+              <a:buClr>
+                <a:schemeClr val="dk1"/>
+              </a:buClr>
+              <a:buSzPts val="1800"/>
+              <a:buChar char="•"/>
             </a:pPr>
             <a:r>
-              <a:rPr lang="en-US" sz="1600">
+              <a:rPr lang="en-US" sz="1800">
+                <a:solidFill>
+                  <a:schemeClr val="dk1"/>
+                </a:solidFill>
                 <a:latin typeface="Calibri"/>
                 <a:ea typeface="Calibri"/>
                 <a:cs typeface="Calibri"/>
@@ -30770,7 +31960,10 @@
               <a:t>O</a:t>
             </a:r>
             <a:r>
-              <a:rPr lang="en-US" sz="1600">
+              <a:rPr lang="en-US" sz="1800">
+                <a:solidFill>
+                  <a:schemeClr val="dk1"/>
+                </a:solidFill>
                 <a:latin typeface="Calibri"/>
                 <a:ea typeface="Calibri"/>
                 <a:cs typeface="Calibri"/>
@@ -30778,7 +31971,10 @@
               </a:rPr>
               <a:t>verall F1-score could not go beyond 0.20 due to imbalanced data and showed poor results.</a:t>
             </a:r>
-            <a:endParaRPr sz="1600">
+            <a:endParaRPr sz="1800">
+              <a:solidFill>
+                <a:schemeClr val="dk1"/>
+              </a:solidFill>
               <a:latin typeface="Calibri"/>
               <a:ea typeface="Calibri"/>
               <a:cs typeface="Calibri"/>
@@ -30786,19 +31982,27 @@
             </a:endParaRPr>
           </a:p>
           <a:p>
-            <a:pPr indent="-330200" lvl="0" marL="457200" rtl="0" algn="l">
-              <a:spcBef>
-                <a:spcPts val="0"/>
-              </a:spcBef>
-              <a:spcAft>
-                <a:spcPts val="0"/>
-              </a:spcAft>
-              <a:buSzPts val="1600"/>
-              <a:buFont typeface="Calibri"/>
-              <a:buChar char="●"/>
+            <a:pPr indent="-342900" lvl="0" marL="457200" marR="0" rtl="0" algn="l">
+              <a:lnSpc>
+                <a:spcPct val="90000"/>
+              </a:lnSpc>
+              <a:spcBef>
+                <a:spcPts val="0"/>
+              </a:spcBef>
+              <a:spcAft>
+                <a:spcPts val="0"/>
+              </a:spcAft>
+              <a:buClr>
+                <a:schemeClr val="dk1"/>
+              </a:buClr>
+              <a:buSzPts val="1800"/>
+              <a:buChar char="•"/>
             </a:pPr>
             <a:r>
-              <a:rPr lang="en-US" sz="1600">
+              <a:rPr lang="en-US" sz="1800">
+                <a:solidFill>
+                  <a:schemeClr val="dk1"/>
+                </a:solidFill>
                 <a:latin typeface="Calibri"/>
                 <a:ea typeface="Calibri"/>
                 <a:cs typeface="Calibri"/>
@@ -30806,7 +32010,10 @@
               </a:rPr>
               <a:t>In terms of computational cost, KNN and Naive Bayes demonstrated better results.</a:t>
             </a:r>
-            <a:endParaRPr sz="1600">
+            <a:endParaRPr sz="1800">
+              <a:solidFill>
+                <a:schemeClr val="dk1"/>
+              </a:solidFill>
               <a:latin typeface="Calibri"/>
               <a:ea typeface="Calibri"/>
               <a:cs typeface="Calibri"/>
@@ -30814,19 +32021,27 @@
             </a:endParaRPr>
           </a:p>
           <a:p>
-            <a:pPr indent="-330200" lvl="0" marL="457200" rtl="0" algn="l">
-              <a:spcBef>
-                <a:spcPts val="0"/>
-              </a:spcBef>
-              <a:spcAft>
-                <a:spcPts val="0"/>
-              </a:spcAft>
-              <a:buSzPts val="1600"/>
-              <a:buFont typeface="Calibri"/>
-              <a:buChar char="●"/>
+            <a:pPr indent="-342900" lvl="0" marL="457200" marR="0" rtl="0" algn="l">
+              <a:lnSpc>
+                <a:spcPct val="90000"/>
+              </a:lnSpc>
+              <a:spcBef>
+                <a:spcPts val="0"/>
+              </a:spcBef>
+              <a:spcAft>
+                <a:spcPts val="0"/>
+              </a:spcAft>
+              <a:buClr>
+                <a:schemeClr val="dk1"/>
+              </a:buClr>
+              <a:buSzPts val="1800"/>
+              <a:buChar char="•"/>
             </a:pPr>
             <a:r>
-              <a:rPr lang="en-US" sz="1600">
+              <a:rPr lang="en-US" sz="1800">
+                <a:solidFill>
+                  <a:schemeClr val="dk1"/>
+                </a:solidFill>
                 <a:latin typeface="Calibri"/>
                 <a:ea typeface="Calibri"/>
                 <a:cs typeface="Calibri"/>
@@ -30834,7 +32049,10 @@
               </a:rPr>
               <a:t>Few-shot prompting technique with an LLM using an API call could produce highest accuracy with 37.2%.</a:t>
             </a:r>
-            <a:endParaRPr sz="1600">
+            <a:endParaRPr sz="1800">
+              <a:solidFill>
+                <a:schemeClr val="dk1"/>
+              </a:solidFill>
               <a:latin typeface="Calibri"/>
               <a:ea typeface="Calibri"/>
               <a:cs typeface="Calibri"/>
@@ -30842,19 +32060,27 @@
             </a:endParaRPr>
           </a:p>
           <a:p>
-            <a:pPr indent="-330200" lvl="0" marL="457200" rtl="0" algn="l">
-              <a:spcBef>
-                <a:spcPts val="0"/>
-              </a:spcBef>
-              <a:spcAft>
-                <a:spcPts val="0"/>
-              </a:spcAft>
-              <a:buSzPts val="1600"/>
-              <a:buFont typeface="Calibri"/>
-              <a:buChar char="●"/>
+            <a:pPr indent="-342900" lvl="0" marL="457200" marR="0" rtl="0" algn="l">
+              <a:lnSpc>
+                <a:spcPct val="90000"/>
+              </a:lnSpc>
+              <a:spcBef>
+                <a:spcPts val="0"/>
+              </a:spcBef>
+              <a:spcAft>
+                <a:spcPts val="0"/>
+              </a:spcAft>
+              <a:buClr>
+                <a:schemeClr val="dk1"/>
+              </a:buClr>
+              <a:buSzPts val="1800"/>
+              <a:buChar char="•"/>
             </a:pPr>
             <a:r>
-              <a:rPr lang="en-US" sz="1600">
+              <a:rPr lang="en-US" sz="1800">
+                <a:solidFill>
+                  <a:schemeClr val="dk1"/>
+                </a:solidFill>
                 <a:latin typeface="Calibri"/>
                 <a:ea typeface="Calibri"/>
                 <a:cs typeface="Calibri"/>
@@ -30862,7 +32088,10 @@
               </a:rPr>
               <a:t>Imbalanced nature of the data leads to poor performance in accurately predicting the minority class.</a:t>
             </a:r>
-            <a:endParaRPr sz="1600">
+            <a:endParaRPr sz="1800">
+              <a:solidFill>
+                <a:schemeClr val="dk1"/>
+              </a:solidFill>
               <a:latin typeface="Calibri"/>
               <a:ea typeface="Calibri"/>
               <a:cs typeface="Calibri"/>
@@ -30870,19 +32099,27 @@
             </a:endParaRPr>
           </a:p>
           <a:p>
-            <a:pPr indent="-330200" lvl="0" marL="457200" rtl="0" algn="l">
-              <a:spcBef>
-                <a:spcPts val="0"/>
-              </a:spcBef>
-              <a:spcAft>
-                <a:spcPts val="0"/>
-              </a:spcAft>
-              <a:buSzPts val="1600"/>
-              <a:buFont typeface="Calibri"/>
-              <a:buChar char="●"/>
+            <a:pPr indent="-342900" lvl="0" marL="457200" marR="0" rtl="0" algn="l">
+              <a:lnSpc>
+                <a:spcPct val="90000"/>
+              </a:lnSpc>
+              <a:spcBef>
+                <a:spcPts val="0"/>
+              </a:spcBef>
+              <a:spcAft>
+                <a:spcPts val="0"/>
+              </a:spcAft>
+              <a:buClr>
+                <a:schemeClr val="dk1"/>
+              </a:buClr>
+              <a:buSzPts val="1800"/>
+              <a:buChar char="•"/>
             </a:pPr>
             <a:r>
-              <a:rPr lang="en-US" sz="1600">
+              <a:rPr lang="en-US" sz="1800">
+                <a:solidFill>
+                  <a:schemeClr val="dk1"/>
+                </a:solidFill>
                 <a:latin typeface="Calibri"/>
                 <a:ea typeface="Calibri"/>
                 <a:cs typeface="Calibri"/>
@@ -30896,6 +32133,50 @@
               <a:cs typeface="Calibri"/>
               <a:sym typeface="Calibri"/>
             </a:endParaRPr>
+          </a:p>
+        </p:txBody>
+      </p:sp>
+      <p:sp>
+        <p:nvSpPr>
+          <p:cNvPr id="185" name="Google Shape;185;p29"/>
+          <p:cNvSpPr txBox="1"/>
+          <p:nvPr>
+            <p:ph idx="12" type="sldNum"/>
+          </p:nvPr>
+        </p:nvSpPr>
+        <p:spPr>
+          <a:xfrm>
+            <a:off x="8610600" y="6356350"/>
+            <a:ext cx="2743200" cy="365100"/>
+          </a:xfrm>
+          <a:prstGeom prst="rect">
+            <a:avLst/>
+          </a:prstGeom>
+          <a:noFill/>
+          <a:ln>
+            <a:noFill/>
+          </a:ln>
+        </p:spPr>
+        <p:txBody>
+          <a:bodyPr anchorCtr="0" anchor="t" bIns="45700" lIns="91425" spcFirstLastPara="1" rIns="91425" wrap="square" tIns="45700">
+            <a:noAutofit/>
+          </a:bodyPr>
+          <a:lstStyle/>
+          <a:p>
+            <a:pPr indent="0" lvl="0" marL="0" rtl="0" algn="r">
+              <a:spcBef>
+                <a:spcPts val="0"/>
+              </a:spcBef>
+              <a:spcAft>
+                <a:spcPts val="0"/>
+              </a:spcAft>
+              <a:buNone/>
+            </a:pPr>
+            <a:fld id="{00000000-1234-1234-1234-123412341234}" type="slidenum">
+              <a:rPr lang="en-US"/>
+              <a:t>‹#›</a:t>
+            </a:fld>
+            <a:endParaRPr/>
           </a:p>
         </p:txBody>
       </p:sp>
@@ -30912,7 +32193,7 @@
   <p:cSld>
     <p:spTree>
       <p:nvGrpSpPr>
-        <p:cNvPr id="185" name="Shape 185"/>
+        <p:cNvPr id="189" name="Shape 189"/>
         <p:cNvGrpSpPr/>
         <p:nvPr/>
       </p:nvGrpSpPr>
@@ -30926,7 +32207,507 @@
       </p:grpSpPr>
       <p:sp>
         <p:nvSpPr>
-          <p:cNvPr id="186" name="Google Shape;186;p30"/>
+          <p:cNvPr id="190" name="Google Shape;190;p30"/>
+          <p:cNvSpPr txBox="1"/>
+          <p:nvPr>
+            <p:ph type="title"/>
+          </p:nvPr>
+        </p:nvSpPr>
+        <p:spPr>
+          <a:xfrm>
+            <a:off x="0" y="0"/>
+            <a:ext cx="12192000" cy="657900"/>
+          </a:xfrm>
+          <a:prstGeom prst="rect">
+            <a:avLst/>
+          </a:prstGeom>
+          <a:noFill/>
+          <a:ln>
+            <a:noFill/>
+          </a:ln>
+        </p:spPr>
+        <p:txBody>
+          <a:bodyPr anchorCtr="0" anchor="t" bIns="45700" lIns="91425" spcFirstLastPara="1" rIns="91425" wrap="square" tIns="45700">
+            <a:noAutofit/>
+          </a:bodyPr>
+          <a:lstStyle/>
+          <a:p>
+            <a:pPr indent="0" lvl="0" marL="0" rtl="0" algn="l">
+              <a:lnSpc>
+                <a:spcPct val="90000"/>
+              </a:lnSpc>
+              <a:spcBef>
+                <a:spcPts val="0"/>
+              </a:spcBef>
+              <a:spcAft>
+                <a:spcPts val="0"/>
+              </a:spcAft>
+              <a:buClr>
+                <a:schemeClr val="dk1"/>
+              </a:buClr>
+              <a:buSzPts val="4400"/>
+              <a:buFont typeface="Calibri"/>
+              <a:buNone/>
+            </a:pPr>
+            <a:r>
+              <a:rPr lang="en-US"/>
+              <a:t>Few-shot prompting with an LLM</a:t>
+            </a:r>
+            <a:endParaRPr/>
+          </a:p>
+        </p:txBody>
+      </p:sp>
+      <p:sp>
+        <p:nvSpPr>
+          <p:cNvPr id="191" name="Google Shape;191;p30"/>
+          <p:cNvSpPr txBox="1"/>
+          <p:nvPr/>
+        </p:nvSpPr>
+        <p:spPr>
+          <a:xfrm>
+            <a:off x="212800" y="993850"/>
+            <a:ext cx="11401200" cy="2678100"/>
+          </a:xfrm>
+          <a:prstGeom prst="rect">
+            <a:avLst/>
+          </a:prstGeom>
+          <a:noFill/>
+          <a:ln>
+            <a:noFill/>
+          </a:ln>
+        </p:spPr>
+        <p:txBody>
+          <a:bodyPr anchorCtr="0" anchor="t" bIns="91425" lIns="91425" spcFirstLastPara="1" rIns="91425" wrap="square" tIns="91425">
+            <a:spAutoFit/>
+          </a:bodyPr>
+          <a:lstStyle/>
+          <a:p>
+            <a:pPr indent="-342900" lvl="0" marL="457200" marR="0" rtl="0" algn="l">
+              <a:lnSpc>
+                <a:spcPct val="90000"/>
+              </a:lnSpc>
+              <a:spcBef>
+                <a:spcPts val="1000"/>
+              </a:spcBef>
+              <a:spcAft>
+                <a:spcPts val="0"/>
+              </a:spcAft>
+              <a:buClr>
+                <a:schemeClr val="dk1"/>
+              </a:buClr>
+              <a:buSzPts val="1800"/>
+              <a:buChar char="•"/>
+            </a:pPr>
+            <a:r>
+              <a:rPr lang="en-US" sz="1800">
+                <a:solidFill>
+                  <a:schemeClr val="dk1"/>
+                </a:solidFill>
+                <a:latin typeface="Calibri"/>
+                <a:ea typeface="Calibri"/>
+                <a:cs typeface="Calibri"/>
+                <a:sym typeface="Calibri"/>
+              </a:rPr>
+              <a:t>In few-shot prompting technique, we tune an LLM (Large Language Model) - ”gpt-3.5-turbo” using instructions. </a:t>
+            </a:r>
+            <a:endParaRPr sz="1800">
+              <a:solidFill>
+                <a:schemeClr val="dk1"/>
+              </a:solidFill>
+              <a:latin typeface="Calibri"/>
+              <a:ea typeface="Calibri"/>
+              <a:cs typeface="Calibri"/>
+              <a:sym typeface="Calibri"/>
+            </a:endParaRPr>
+          </a:p>
+          <a:p>
+            <a:pPr indent="-342900" lvl="0" marL="457200" marR="0" rtl="0" algn="l">
+              <a:lnSpc>
+                <a:spcPct val="90000"/>
+              </a:lnSpc>
+              <a:spcBef>
+                <a:spcPts val="0"/>
+              </a:spcBef>
+              <a:spcAft>
+                <a:spcPts val="0"/>
+              </a:spcAft>
+              <a:buClr>
+                <a:schemeClr val="dk1"/>
+              </a:buClr>
+              <a:buSzPts val="1800"/>
+              <a:buChar char="•"/>
+            </a:pPr>
+            <a:r>
+              <a:rPr lang="en-US" sz="1800">
+                <a:solidFill>
+                  <a:schemeClr val="dk1"/>
+                </a:solidFill>
+                <a:latin typeface="Calibri"/>
+                <a:ea typeface="Calibri"/>
+                <a:cs typeface="Calibri"/>
+                <a:sym typeface="Calibri"/>
+              </a:rPr>
+              <a:t>In the instructions, we include two examples for just two out out of forty categories and then the model is used to predict the clinical domain based on the medical transcription.</a:t>
+            </a:r>
+            <a:endParaRPr sz="1800">
+              <a:solidFill>
+                <a:schemeClr val="dk1"/>
+              </a:solidFill>
+              <a:latin typeface="Calibri"/>
+              <a:ea typeface="Calibri"/>
+              <a:cs typeface="Calibri"/>
+              <a:sym typeface="Calibri"/>
+            </a:endParaRPr>
+          </a:p>
+          <a:p>
+            <a:pPr indent="-342900" lvl="0" marL="457200" marR="0" rtl="0" algn="l">
+              <a:lnSpc>
+                <a:spcPct val="90000"/>
+              </a:lnSpc>
+              <a:spcBef>
+                <a:spcPts val="0"/>
+              </a:spcBef>
+              <a:spcAft>
+                <a:spcPts val="0"/>
+              </a:spcAft>
+              <a:buClr>
+                <a:schemeClr val="dk1"/>
+              </a:buClr>
+              <a:buSzPts val="1800"/>
+              <a:buChar char="•"/>
+            </a:pPr>
+            <a:r>
+              <a:rPr lang="en-US" sz="1800">
+                <a:solidFill>
+                  <a:schemeClr val="dk1"/>
+                </a:solidFill>
+                <a:latin typeface="Calibri"/>
+                <a:ea typeface="Calibri"/>
+                <a:cs typeface="Calibri"/>
+                <a:sym typeface="Calibri"/>
+              </a:rPr>
+              <a:t>The main advantages of using an instruction based LLMs are better performance with no training and very less computational cost.</a:t>
+            </a:r>
+            <a:endParaRPr sz="1800">
+              <a:solidFill>
+                <a:schemeClr val="dk1"/>
+              </a:solidFill>
+              <a:latin typeface="Calibri"/>
+              <a:ea typeface="Calibri"/>
+              <a:cs typeface="Calibri"/>
+              <a:sym typeface="Calibri"/>
+            </a:endParaRPr>
+          </a:p>
+          <a:p>
+            <a:pPr indent="-342900" lvl="0" marL="457200" marR="0" rtl="0" algn="l">
+              <a:lnSpc>
+                <a:spcPct val="90000"/>
+              </a:lnSpc>
+              <a:spcBef>
+                <a:spcPts val="0"/>
+              </a:spcBef>
+              <a:spcAft>
+                <a:spcPts val="0"/>
+              </a:spcAft>
+              <a:buClr>
+                <a:schemeClr val="dk1"/>
+              </a:buClr>
+              <a:buSzPts val="1800"/>
+              <a:buChar char="•"/>
+            </a:pPr>
+            <a:r>
+              <a:rPr b="1" lang="en-US" sz="1800">
+                <a:solidFill>
+                  <a:schemeClr val="dk1"/>
+                </a:solidFill>
+                <a:latin typeface="Calibri"/>
+                <a:ea typeface="Calibri"/>
+                <a:cs typeface="Calibri"/>
+                <a:sym typeface="Calibri"/>
+              </a:rPr>
+              <a:t>Reason for less accuracy of 37.2%:</a:t>
+            </a:r>
+            <a:r>
+              <a:rPr b="1" lang="en-US" sz="1600">
+                <a:solidFill>
+                  <a:schemeClr val="dk1"/>
+                </a:solidFill>
+                <a:latin typeface="Calibri"/>
+                <a:ea typeface="Calibri"/>
+                <a:cs typeface="Calibri"/>
+                <a:sym typeface="Calibri"/>
+              </a:rPr>
+              <a:t> </a:t>
+            </a:r>
+            <a:endParaRPr b="1" sz="1600">
+              <a:solidFill>
+                <a:schemeClr val="dk1"/>
+              </a:solidFill>
+              <a:latin typeface="Calibri"/>
+              <a:ea typeface="Calibri"/>
+              <a:cs typeface="Calibri"/>
+              <a:sym typeface="Calibri"/>
+            </a:endParaRPr>
+          </a:p>
+          <a:p>
+            <a:pPr indent="-342900" lvl="1" marL="914400" marR="0" rtl="0" algn="l">
+              <a:lnSpc>
+                <a:spcPct val="90000"/>
+              </a:lnSpc>
+              <a:spcBef>
+                <a:spcPts val="0"/>
+              </a:spcBef>
+              <a:spcAft>
+                <a:spcPts val="0"/>
+              </a:spcAft>
+              <a:buClr>
+                <a:schemeClr val="dk1"/>
+              </a:buClr>
+              <a:buSzPts val="1800"/>
+              <a:buChar char="•"/>
+            </a:pPr>
+            <a:r>
+              <a:rPr lang="en-US" sz="1800">
+                <a:solidFill>
+                  <a:schemeClr val="dk1"/>
+                </a:solidFill>
+                <a:latin typeface="Calibri"/>
+                <a:ea typeface="Calibri"/>
+                <a:cs typeface="Calibri"/>
+                <a:sym typeface="Calibri"/>
+              </a:rPr>
+              <a:t>Issue with the data</a:t>
+            </a:r>
+            <a:endParaRPr sz="1800">
+              <a:solidFill>
+                <a:schemeClr val="dk1"/>
+              </a:solidFill>
+              <a:latin typeface="Calibri"/>
+              <a:ea typeface="Calibri"/>
+              <a:cs typeface="Calibri"/>
+              <a:sym typeface="Calibri"/>
+            </a:endParaRPr>
+          </a:p>
+          <a:p>
+            <a:pPr indent="-342900" lvl="1" marL="914400" marR="0" rtl="0" algn="l">
+              <a:lnSpc>
+                <a:spcPct val="90000"/>
+              </a:lnSpc>
+              <a:spcBef>
+                <a:spcPts val="0"/>
+              </a:spcBef>
+              <a:spcAft>
+                <a:spcPts val="0"/>
+              </a:spcAft>
+              <a:buClr>
+                <a:schemeClr val="dk1"/>
+              </a:buClr>
+              <a:buSzPts val="1800"/>
+              <a:buChar char="•"/>
+            </a:pPr>
+            <a:r>
+              <a:rPr lang="en-US" sz="1800">
+                <a:solidFill>
+                  <a:schemeClr val="dk1"/>
+                </a:solidFill>
+                <a:latin typeface="Calibri"/>
+                <a:ea typeface="Calibri"/>
+                <a:cs typeface="Calibri"/>
+                <a:sym typeface="Calibri"/>
+              </a:rPr>
+              <a:t>Overlapping and confusing categories in the data like Discharge summary, Surgery</a:t>
+            </a:r>
+            <a:endParaRPr sz="1800">
+              <a:solidFill>
+                <a:schemeClr val="dk1"/>
+              </a:solidFill>
+              <a:latin typeface="Calibri"/>
+              <a:ea typeface="Calibri"/>
+              <a:cs typeface="Calibri"/>
+              <a:sym typeface="Calibri"/>
+            </a:endParaRPr>
+          </a:p>
+          <a:p>
+            <a:pPr indent="-342900" lvl="1" marL="914400" marR="0" rtl="0" algn="l">
+              <a:lnSpc>
+                <a:spcPct val="90000"/>
+              </a:lnSpc>
+              <a:spcBef>
+                <a:spcPts val="0"/>
+              </a:spcBef>
+              <a:spcAft>
+                <a:spcPts val="0"/>
+              </a:spcAft>
+              <a:buClr>
+                <a:schemeClr val="dk1"/>
+              </a:buClr>
+              <a:buSzPts val="1800"/>
+              <a:buChar char="•"/>
+            </a:pPr>
+            <a:r>
+              <a:rPr lang="en-US" sz="1800">
+                <a:solidFill>
+                  <a:schemeClr val="dk1"/>
+                </a:solidFill>
+                <a:latin typeface="Calibri"/>
+                <a:ea typeface="Calibri"/>
+                <a:cs typeface="Calibri"/>
+                <a:sym typeface="Calibri"/>
+              </a:rPr>
+              <a:t>If we can group these categories appropriately based on the domain knowledge, it will show better results on par with the human baseline.</a:t>
+            </a:r>
+            <a:endParaRPr sz="1600">
+              <a:solidFill>
+                <a:schemeClr val="dk1"/>
+              </a:solidFill>
+              <a:latin typeface="Calibri"/>
+              <a:ea typeface="Calibri"/>
+              <a:cs typeface="Calibri"/>
+              <a:sym typeface="Calibri"/>
+            </a:endParaRPr>
+          </a:p>
+        </p:txBody>
+      </p:sp>
+      <p:pic>
+        <p:nvPicPr>
+          <p:cNvPr id="192" name="Google Shape;192;p30"/>
+          <p:cNvPicPr preferRelativeResize="0"/>
+          <p:nvPr/>
+        </p:nvPicPr>
+        <p:blipFill>
+          <a:blip r:embed="rId3">
+            <a:alphaModFix/>
+          </a:blip>
+          <a:stretch>
+            <a:fillRect/>
+          </a:stretch>
+        </p:blipFill>
+        <p:spPr>
+          <a:xfrm>
+            <a:off x="4255575" y="4537163"/>
+            <a:ext cx="7830175" cy="953975"/>
+          </a:xfrm>
+          <a:prstGeom prst="rect">
+            <a:avLst/>
+          </a:prstGeom>
+          <a:noFill/>
+          <a:ln cap="flat" cmpd="sng" w="19050">
+            <a:solidFill>
+              <a:schemeClr val="dk2"/>
+            </a:solidFill>
+            <a:prstDash val="solid"/>
+            <a:round/>
+            <a:headEnd len="sm" w="sm" type="none"/>
+            <a:tailEnd len="sm" w="sm" type="none"/>
+          </a:ln>
+        </p:spPr>
+      </p:pic>
+      <p:sp>
+        <p:nvSpPr>
+          <p:cNvPr id="193" name="Google Shape;193;p30"/>
+          <p:cNvSpPr txBox="1"/>
+          <p:nvPr>
+            <p:ph idx="12" type="sldNum"/>
+          </p:nvPr>
+        </p:nvSpPr>
+        <p:spPr>
+          <a:xfrm>
+            <a:off x="8610600" y="6356350"/>
+            <a:ext cx="2743200" cy="365100"/>
+          </a:xfrm>
+          <a:prstGeom prst="rect">
+            <a:avLst/>
+          </a:prstGeom>
+          <a:noFill/>
+          <a:ln>
+            <a:noFill/>
+          </a:ln>
+        </p:spPr>
+        <p:txBody>
+          <a:bodyPr anchorCtr="0" anchor="t" bIns="45700" lIns="91425" spcFirstLastPara="1" rIns="91425" wrap="square" tIns="45700">
+            <a:noAutofit/>
+          </a:bodyPr>
+          <a:lstStyle/>
+          <a:p>
+            <a:pPr indent="0" lvl="0" marL="0" rtl="0" algn="r">
+              <a:spcBef>
+                <a:spcPts val="0"/>
+              </a:spcBef>
+              <a:spcAft>
+                <a:spcPts val="0"/>
+              </a:spcAft>
+              <a:buNone/>
+            </a:pPr>
+            <a:fld id="{00000000-1234-1234-1234-123412341234}" type="slidenum">
+              <a:rPr lang="en-US"/>
+              <a:t>‹#›</a:t>
+            </a:fld>
+            <a:endParaRPr/>
+          </a:p>
+        </p:txBody>
+      </p:sp>
+      <p:pic>
+        <p:nvPicPr>
+          <p:cNvPr id="194" name="Google Shape;194;p30"/>
+          <p:cNvPicPr preferRelativeResize="0"/>
+          <p:nvPr/>
+        </p:nvPicPr>
+        <p:blipFill>
+          <a:blip r:embed="rId4">
+            <a:alphaModFix/>
+          </a:blip>
+          <a:stretch>
+            <a:fillRect/>
+          </a:stretch>
+        </p:blipFill>
+        <p:spPr>
+          <a:xfrm>
+            <a:off x="416575" y="3595738"/>
+            <a:ext cx="3839001" cy="2538075"/>
+          </a:xfrm>
+          <a:prstGeom prst="rect">
+            <a:avLst/>
+          </a:prstGeom>
+          <a:noFill/>
+          <a:ln cap="flat" cmpd="sng" w="19050">
+            <a:solidFill>
+              <a:schemeClr val="dk2"/>
+            </a:solidFill>
+            <a:prstDash val="solid"/>
+            <a:round/>
+            <a:headEnd len="sm" w="sm" type="none"/>
+            <a:tailEnd len="sm" w="sm" type="none"/>
+          </a:ln>
+        </p:spPr>
+      </p:pic>
+    </p:spTree>
+  </p:cSld>
+  <p:clrMapOvr>
+    <a:masterClrMapping/>
+  </p:clrMapOvr>
+</p:sld>
+</file>
+
+<file path=ppt/slides/slide8.xml><?xml version="1.0" encoding="utf-8"?>
+<p:sld xmlns:a="http://schemas.openxmlformats.org/drawingml/2006/main" xmlns:r="http://schemas.openxmlformats.org/officeDocument/2006/relationships" xmlns:mc="http://schemas.openxmlformats.org/markup-compatibility/2006" xmlns:mv="urn:schemas-microsoft-com:mac:vml" xmlns:p="http://schemas.openxmlformats.org/presentationml/2006/main" xmlns:c="http://schemas.openxmlformats.org/drawingml/2006/chart" xmlns:dgm="http://schemas.openxmlformats.org/drawingml/2006/diagram" xmlns:o="urn:schemas-microsoft-com:office:office" xmlns:v="urn:schemas-microsoft-com:vml" xmlns:pvml="urn:schemas-microsoft-com:office:powerpoint" xmlns:com="http://schemas.openxmlformats.org/drawingml/2006/compatibility" xmlns:p14="http://schemas.microsoft.com/office/powerpoint/2010/main" xmlns:p15="http://schemas.microsoft.com/office/powerpoint/2012/main" xmlns:ahyp="http://schemas.microsoft.com/office/drawing/2018/hyperlinkcolor">
+  <p:cSld>
+    <p:spTree>
+      <p:nvGrpSpPr>
+        <p:cNvPr id="198" name="Shape 198"/>
+        <p:cNvGrpSpPr/>
+        <p:nvPr/>
+      </p:nvGrpSpPr>
+      <p:grpSpPr>
+        <a:xfrm>
+          <a:off x="0" y="0"/>
+          <a:ext cx="0" cy="0"/>
+          <a:chOff x="0" y="0"/>
+          <a:chExt cx="0" cy="0"/>
+        </a:xfrm>
+      </p:grpSpPr>
+      <p:sp>
+        <p:nvSpPr>
+          <p:cNvPr id="199" name="Google Shape;199;p31"/>
           <p:cNvSpPr txBox="1"/>
           <p:nvPr>
             <p:ph type="title"/>
@@ -30966,7 +32747,7 @@
       </p:sp>
       <p:sp>
         <p:nvSpPr>
-          <p:cNvPr id="187" name="Google Shape;187;p30"/>
+          <p:cNvPr id="200" name="Google Shape;200;p31"/>
           <p:cNvSpPr txBox="1"/>
           <p:nvPr>
             <p:ph idx="1" type="body"/>
@@ -31041,7 +32822,7 @@
       </p:sp>
       <p:graphicFrame>
         <p:nvGraphicFramePr>
-          <p:cNvPr id="188" name="Google Shape;188;p30"/>
+          <p:cNvPr id="201" name="Google Shape;201;p31"/>
           <p:cNvGraphicFramePr/>
           <p:nvPr/>
         </p:nvGraphicFramePr>
@@ -31054,7 +32835,7 @@
             <a:tbl>
               <a:tblPr>
                 <a:noFill/>
-                <a:tableStyleId>{472880FF-F9C2-4313-A3C6-3D02642A3D4F}</a:tableStyleId>
+                <a:tableStyleId>{E93A88D0-FEA4-454C-8A20-4BC24CAA5DB6}</a:tableStyleId>
               </a:tblPr>
               <a:tblGrid>
                 <a:gridCol w="1469575"/>
@@ -35354,7 +37135,7 @@
       </p:graphicFrame>
       <p:sp>
         <p:nvSpPr>
-          <p:cNvPr id="189" name="Google Shape;189;p30"/>
+          <p:cNvPr id="202" name="Google Shape;202;p31"/>
           <p:cNvSpPr txBox="1"/>
           <p:nvPr>
             <p:ph idx="1" type="body"/>
@@ -35410,6 +37191,50 @@
           </a:p>
         </p:txBody>
       </p:sp>
+      <p:sp>
+        <p:nvSpPr>
+          <p:cNvPr id="203" name="Google Shape;203;p31"/>
+          <p:cNvSpPr txBox="1"/>
+          <p:nvPr>
+            <p:ph idx="12" type="sldNum"/>
+          </p:nvPr>
+        </p:nvSpPr>
+        <p:spPr>
+          <a:xfrm>
+            <a:off x="8610600" y="6356350"/>
+            <a:ext cx="2743200" cy="365100"/>
+          </a:xfrm>
+          <a:prstGeom prst="rect">
+            <a:avLst/>
+          </a:prstGeom>
+          <a:noFill/>
+          <a:ln>
+            <a:noFill/>
+          </a:ln>
+        </p:spPr>
+        <p:txBody>
+          <a:bodyPr anchorCtr="0" anchor="t" bIns="45700" lIns="91425" spcFirstLastPara="1" rIns="91425" wrap="square" tIns="45700">
+            <a:noAutofit/>
+          </a:bodyPr>
+          <a:lstStyle/>
+          <a:p>
+            <a:pPr indent="0" lvl="0" marL="0" rtl="0" algn="r">
+              <a:spcBef>
+                <a:spcPts val="0"/>
+              </a:spcBef>
+              <a:spcAft>
+                <a:spcPts val="0"/>
+              </a:spcAft>
+              <a:buNone/>
+            </a:pPr>
+            <a:fld id="{00000000-1234-1234-1234-123412341234}" type="slidenum">
+              <a:rPr lang="en-US"/>
+              <a:t>‹#›</a:t>
+            </a:fld>
+            <a:endParaRPr/>
+          </a:p>
+        </p:txBody>
+      </p:sp>
     </p:spTree>
   </p:cSld>
   <p:clrMapOvr>
@@ -35418,12 +37243,12 @@
 </p:sld>
 </file>
 
-<file path=ppt/slides/slide8.xml><?xml version="1.0" encoding="utf-8"?>
+<file path=ppt/slides/slide9.xml><?xml version="1.0" encoding="utf-8"?>
 <p:sld xmlns:a="http://schemas.openxmlformats.org/drawingml/2006/main" xmlns:r="http://schemas.openxmlformats.org/officeDocument/2006/relationships" xmlns:mc="http://schemas.openxmlformats.org/markup-compatibility/2006" xmlns:mv="urn:schemas-microsoft-com:mac:vml" xmlns:p="http://schemas.openxmlformats.org/presentationml/2006/main" xmlns:c="http://schemas.openxmlformats.org/drawingml/2006/chart" xmlns:dgm="http://schemas.openxmlformats.org/drawingml/2006/diagram" xmlns:o="urn:schemas-microsoft-com:office:office" xmlns:v="urn:schemas-microsoft-com:vml" xmlns:pvml="urn:schemas-microsoft-com:office:powerpoint" xmlns:com="http://schemas.openxmlformats.org/drawingml/2006/compatibility" xmlns:p14="http://schemas.microsoft.com/office/powerpoint/2010/main" xmlns:p15="http://schemas.microsoft.com/office/powerpoint/2012/main" xmlns:ahyp="http://schemas.microsoft.com/office/drawing/2018/hyperlinkcolor">
   <p:cSld>
     <p:spTree>
       <p:nvGrpSpPr>
-        <p:cNvPr id="193" name="Shape 193"/>
+        <p:cNvPr id="207" name="Shape 207"/>
         <p:cNvGrpSpPr/>
         <p:nvPr/>
       </p:nvGrpSpPr>
@@ -35437,7 +37262,7 @@
       </p:grpSpPr>
       <p:sp>
         <p:nvSpPr>
-          <p:cNvPr id="194" name="Google Shape;194;p31"/>
+          <p:cNvPr id="208" name="Google Shape;208;p32"/>
           <p:cNvSpPr txBox="1"/>
           <p:nvPr>
             <p:ph type="title"/>
@@ -35492,7 +37317,7 @@
       </p:sp>
       <p:sp>
         <p:nvSpPr>
-          <p:cNvPr id="195" name="Google Shape;195;p31"/>
+          <p:cNvPr id="209" name="Google Shape;209;p32"/>
           <p:cNvSpPr txBox="1"/>
           <p:nvPr>
             <p:ph idx="1" type="body"/>
@@ -35548,53 +37373,9 @@
           </a:p>
         </p:txBody>
       </p:sp>
-      <p:sp>
-        <p:nvSpPr>
-          <p:cNvPr id="196" name="Google Shape;196;p31"/>
-          <p:cNvSpPr txBox="1"/>
-          <p:nvPr>
-            <p:ph idx="12" type="sldNum"/>
-          </p:nvPr>
-        </p:nvSpPr>
-        <p:spPr>
-          <a:xfrm>
-            <a:off x="9223343" y="6356350"/>
-            <a:ext cx="2743200" cy="365100"/>
-          </a:xfrm>
-          <a:prstGeom prst="rect">
-            <a:avLst/>
-          </a:prstGeom>
-        </p:spPr>
-        <p:txBody>
-          <a:bodyPr anchorCtr="0" anchor="t" bIns="45700" lIns="91425" spcFirstLastPara="1" rIns="91425" wrap="square" tIns="45700">
-            <a:noAutofit/>
-          </a:bodyPr>
-          <a:lstStyle/>
-          <a:p>
-            <a:pPr indent="0" lvl="0" marL="0" rtl="0" algn="r">
-              <a:spcBef>
-                <a:spcPts val="0"/>
-              </a:spcBef>
-              <a:spcAft>
-                <a:spcPts val="0"/>
-              </a:spcAft>
-              <a:buClr>
-                <a:srgbClr val="000000"/>
-              </a:buClr>
-              <a:buFont typeface="Arial"/>
-              <a:buNone/>
-            </a:pPr>
-            <a:fld id="{00000000-1234-1234-1234-123412341234}" type="slidenum">
-              <a:rPr lang="en-US"/>
-              <a:t>‹#›</a:t>
-            </a:fld>
-            <a:endParaRPr/>
-          </a:p>
-        </p:txBody>
-      </p:sp>
       <p:graphicFrame>
         <p:nvGraphicFramePr>
-          <p:cNvPr id="197" name="Google Shape;197;p31"/>
+          <p:cNvPr id="210" name="Google Shape;210;p32"/>
           <p:cNvGraphicFramePr/>
           <p:nvPr/>
         </p:nvGraphicFramePr>
@@ -35607,7 +37388,7 @@
             <a:tbl>
               <a:tblPr>
                 <a:noFill/>
-                <a:tableStyleId>{472880FF-F9C2-4313-A3C6-3D02642A3D4F}</a:tableStyleId>
+                <a:tableStyleId>{E93A88D0-FEA4-454C-8A20-4BC24CAA5DB6}</a:tableStyleId>
               </a:tblPr>
               <a:tblGrid>
                 <a:gridCol w="1687450"/>
@@ -36191,7 +37972,7 @@
                         <a:buNone/>
                       </a:pPr>
                       <a:r>
-                        <a:rPr lang="en-US" sz="1200">
+                        <a:rPr b="1" lang="en-US" sz="1200">
                           <a:solidFill>
                             <a:schemeClr val="dk1"/>
                           </a:solidFill>
@@ -36202,7 +37983,7 @@
                         </a:rPr>
                         <a:t>2.07</a:t>
                       </a:r>
-                      <a:endParaRPr sz="1200">
+                      <a:endParaRPr b="1" sz="1200">
                         <a:solidFill>
                           <a:schemeClr val="dk1"/>
                         </a:solidFill>
@@ -38095,7 +39876,7 @@
                         <a:buNone/>
                       </a:pPr>
                       <a:r>
-                        <a:rPr lang="en-US" sz="1200">
+                        <a:rPr b="1" lang="en-US" sz="1200">
                           <a:solidFill>
                             <a:schemeClr val="dk1"/>
                           </a:solidFill>
@@ -38106,7 +39887,7 @@
                         </a:rPr>
                         <a:t>0.29</a:t>
                       </a:r>
-                      <a:endParaRPr sz="1200">
+                      <a:endParaRPr b="1" sz="1200">
                         <a:solidFill>
                           <a:schemeClr val="dk1"/>
                         </a:solidFill>
@@ -39907,7 +41688,7 @@
       </p:graphicFrame>
       <p:sp>
         <p:nvSpPr>
-          <p:cNvPr id="198" name="Google Shape;198;p31"/>
+          <p:cNvPr id="211" name="Google Shape;211;p32"/>
           <p:cNvSpPr txBox="1"/>
           <p:nvPr>
             <p:ph idx="1" type="body"/>
@@ -39915,7 +41696,7 @@
         </p:nvSpPr>
         <p:spPr>
           <a:xfrm>
-            <a:off x="361475" y="5082575"/>
+            <a:off x="361475" y="5234975"/>
             <a:ext cx="11827500" cy="968700"/>
           </a:xfrm>
           <a:prstGeom prst="rect">
@@ -39997,43 +41778,18 @@
           </a:p>
         </p:txBody>
       </p:sp>
-    </p:spTree>
-  </p:cSld>
-  <p:clrMapOvr>
-    <a:masterClrMapping/>
-  </p:clrMapOvr>
-</p:sld>
-</file>
-
-<file path=ppt/slides/slide9.xml><?xml version="1.0" encoding="utf-8"?>
-<p:sld xmlns:a="http://schemas.openxmlformats.org/drawingml/2006/main" xmlns:r="http://schemas.openxmlformats.org/officeDocument/2006/relationships" xmlns:mc="http://schemas.openxmlformats.org/markup-compatibility/2006" xmlns:mv="urn:schemas-microsoft-com:mac:vml" xmlns:p="http://schemas.openxmlformats.org/presentationml/2006/main" xmlns:c="http://schemas.openxmlformats.org/drawingml/2006/chart" xmlns:dgm="http://schemas.openxmlformats.org/drawingml/2006/diagram" xmlns:o="urn:schemas-microsoft-com:office:office" xmlns:v="urn:schemas-microsoft-com:vml" xmlns:pvml="urn:schemas-microsoft-com:office:powerpoint" xmlns:com="http://schemas.openxmlformats.org/drawingml/2006/compatibility" xmlns:p14="http://schemas.microsoft.com/office/powerpoint/2010/main" xmlns:p15="http://schemas.microsoft.com/office/powerpoint/2012/main" xmlns:ahyp="http://schemas.microsoft.com/office/drawing/2018/hyperlinkcolor">
-  <p:cSld>
-    <p:spTree>
-      <p:nvGrpSpPr>
-        <p:cNvPr id="202" name="Shape 202"/>
-        <p:cNvGrpSpPr/>
-        <p:nvPr/>
-      </p:nvGrpSpPr>
-      <p:grpSpPr>
-        <a:xfrm>
-          <a:off x="0" y="0"/>
-          <a:ext cx="0" cy="0"/>
-          <a:chOff x="0" y="0"/>
-          <a:chExt cx="0" cy="0"/>
-        </a:xfrm>
-      </p:grpSpPr>
       <p:sp>
         <p:nvSpPr>
-          <p:cNvPr id="203" name="Google Shape;203;p32"/>
+          <p:cNvPr id="212" name="Google Shape;212;p32"/>
           <p:cNvSpPr txBox="1"/>
           <p:nvPr>
-            <p:ph type="title"/>
+            <p:ph idx="12" type="sldNum"/>
           </p:nvPr>
         </p:nvSpPr>
         <p:spPr>
           <a:xfrm>
-            <a:off x="-3018" y="982"/>
-            <a:ext cx="12192000" cy="657900"/>
+            <a:off x="8610600" y="6356350"/>
+            <a:ext cx="2743200" cy="365100"/>
           </a:xfrm>
           <a:prstGeom prst="rect">
             <a:avLst/>
@@ -40049,146 +41805,6 @@
           </a:bodyPr>
           <a:lstStyle/>
           <a:p>
-            <a:pPr indent="0" lvl="0" marL="0" rtl="0" algn="l">
-              <a:lnSpc>
-                <a:spcPct val="90000"/>
-              </a:lnSpc>
-              <a:spcBef>
-                <a:spcPts val="0"/>
-              </a:spcBef>
-              <a:spcAft>
-                <a:spcPts val="0"/>
-              </a:spcAft>
-              <a:buClr>
-                <a:schemeClr val="dk1"/>
-              </a:buClr>
-              <a:buSzPts val="4400"/>
-              <a:buFont typeface="Calibri"/>
-              <a:buNone/>
-            </a:pPr>
-            <a:r>
-              <a:rPr lang="en-US"/>
-              <a:t>Model deployment</a:t>
-            </a:r>
-            <a:endParaRPr/>
-          </a:p>
-        </p:txBody>
-      </p:sp>
-      <p:sp>
-        <p:nvSpPr>
-          <p:cNvPr id="204" name="Google Shape;204;p32"/>
-          <p:cNvSpPr txBox="1"/>
-          <p:nvPr>
-            <p:ph idx="1" type="body"/>
-          </p:nvPr>
-        </p:nvSpPr>
-        <p:spPr>
-          <a:xfrm>
-            <a:off x="240675" y="893124"/>
-            <a:ext cx="11827500" cy="1635300"/>
-          </a:xfrm>
-          <a:prstGeom prst="rect">
-            <a:avLst/>
-          </a:prstGeom>
-        </p:spPr>
-        <p:txBody>
-          <a:bodyPr anchorCtr="0" anchor="t" bIns="45700" lIns="91425" spcFirstLastPara="1" rIns="91425" wrap="square" tIns="45700">
-            <a:noAutofit/>
-          </a:bodyPr>
-          <a:lstStyle/>
-          <a:p>
-            <a:pPr indent="-342900" lvl="0" marL="457200" rtl="0" algn="l">
-              <a:spcBef>
-                <a:spcPts val="1000"/>
-              </a:spcBef>
-              <a:spcAft>
-                <a:spcPts val="0"/>
-              </a:spcAft>
-              <a:buSzPts val="1800"/>
-              <a:buChar char="•"/>
-            </a:pPr>
-            <a:r>
-              <a:rPr lang="en-US" sz="1800"/>
-              <a:t>BERT model was deployed as it outperformed other models (Refer to SCRIPT12)</a:t>
-            </a:r>
-            <a:endParaRPr sz="1800"/>
-          </a:p>
-          <a:p>
-            <a:pPr indent="-342900" lvl="0" marL="457200" rtl="0" algn="l">
-              <a:spcBef>
-                <a:spcPts val="0"/>
-              </a:spcBef>
-              <a:spcAft>
-                <a:spcPts val="0"/>
-              </a:spcAft>
-              <a:buSzPts val="1800"/>
-              <a:buChar char="•"/>
-            </a:pPr>
-            <a:r>
-              <a:rPr lang="en-US" sz="1800"/>
-              <a:t>Users can send a POST request to the API with a JSON data structure. </a:t>
-            </a:r>
-            <a:endParaRPr sz="1800"/>
-          </a:p>
-          <a:p>
-            <a:pPr indent="-342900" lvl="0" marL="457200" rtl="0" algn="l">
-              <a:spcBef>
-                <a:spcPts val="0"/>
-              </a:spcBef>
-              <a:spcAft>
-                <a:spcPts val="0"/>
-              </a:spcAft>
-              <a:buSzPts val="1800"/>
-              <a:buChar char="•"/>
-            </a:pPr>
-            <a:r>
-              <a:rPr lang="en-US" sz="1800"/>
-              <a:t>The API tokenizes and processes the provided text data using a pre-trained language model and then predicts the medical domain or specialty associated with each text entry.</a:t>
-            </a:r>
-            <a:endParaRPr sz="1800"/>
-          </a:p>
-          <a:p>
-            <a:pPr indent="-342900" lvl="0" marL="457200" rtl="0" algn="l">
-              <a:spcBef>
-                <a:spcPts val="0"/>
-              </a:spcBef>
-              <a:spcAft>
-                <a:spcPts val="0"/>
-              </a:spcAft>
-              <a:buSzPts val="1800"/>
-              <a:buChar char="•"/>
-            </a:pPr>
-            <a:r>
-              <a:rPr lang="en-US" sz="1800"/>
-              <a:t>The API responds with a JSON structure containing predictions and original text. Each result includes the predicted medical domain and the corresponding input text.</a:t>
-            </a:r>
-            <a:endParaRPr sz="1800"/>
-          </a:p>
-        </p:txBody>
-      </p:sp>
-      <p:sp>
-        <p:nvSpPr>
-          <p:cNvPr id="205" name="Google Shape;205;p32"/>
-          <p:cNvSpPr txBox="1"/>
-          <p:nvPr>
-            <p:ph idx="12" type="sldNum"/>
-          </p:nvPr>
-        </p:nvSpPr>
-        <p:spPr>
-          <a:xfrm>
-            <a:off x="9223343" y="6356350"/>
-            <a:ext cx="2743200" cy="365100"/>
-          </a:xfrm>
-          <a:prstGeom prst="rect">
-            <a:avLst/>
-          </a:prstGeom>
-        </p:spPr>
-        <p:txBody>
-          <a:bodyPr anchorCtr="0" anchor="t" bIns="45700" lIns="91425" spcFirstLastPara="1" rIns="91425" wrap="square" tIns="45700">
-            <a:noAutofit/>
-          </a:bodyPr>
-          <a:lstStyle/>
-          <a:p>
             <a:pPr indent="0" lvl="0" marL="0" rtl="0" algn="r">
               <a:spcBef>
                 <a:spcPts val="0"/>
@@ -40196,10 +41812,6 @@
               <a:spcAft>
                 <a:spcPts val="0"/>
               </a:spcAft>
-              <a:buClr>
-                <a:srgbClr val="000000"/>
-              </a:buClr>
-              <a:buFont typeface="Arial"/>
               <a:buNone/>
             </a:pPr>
             <a:fld id="{00000000-1234-1234-1234-123412341234}" type="slidenum">
@@ -40210,118 +41822,6 @@
           </a:p>
         </p:txBody>
       </p:sp>
-      <p:pic>
-        <p:nvPicPr>
-          <p:cNvPr id="206" name="Google Shape;206;p32"/>
-          <p:cNvPicPr preferRelativeResize="0"/>
-          <p:nvPr/>
-        </p:nvPicPr>
-        <p:blipFill>
-          <a:blip r:embed="rId3">
-            <a:alphaModFix/>
-          </a:blip>
-          <a:stretch>
-            <a:fillRect/>
-          </a:stretch>
-        </p:blipFill>
-        <p:spPr>
-          <a:xfrm>
-            <a:off x="4382975" y="2882642"/>
-            <a:ext cx="2819400" cy="304800"/>
-          </a:xfrm>
-          <a:prstGeom prst="rect">
-            <a:avLst/>
-          </a:prstGeom>
-          <a:noFill/>
-          <a:ln>
-            <a:noFill/>
-          </a:ln>
-        </p:spPr>
-      </p:pic>
-      <p:pic>
-        <p:nvPicPr>
-          <p:cNvPr id="207" name="Google Shape;207;p32"/>
-          <p:cNvPicPr preferRelativeResize="0"/>
-          <p:nvPr/>
-        </p:nvPicPr>
-        <p:blipFill>
-          <a:blip r:embed="rId4">
-            <a:alphaModFix/>
-          </a:blip>
-          <a:stretch>
-            <a:fillRect/>
-          </a:stretch>
-        </p:blipFill>
-        <p:spPr>
-          <a:xfrm>
-            <a:off x="6284650" y="3187741"/>
-            <a:ext cx="917725" cy="482525"/>
-          </a:xfrm>
-          <a:prstGeom prst="rect">
-            <a:avLst/>
-          </a:prstGeom>
-          <a:noFill/>
-          <a:ln>
-            <a:noFill/>
-          </a:ln>
-        </p:spPr>
-      </p:pic>
-      <p:pic>
-        <p:nvPicPr>
-          <p:cNvPr id="208" name="Google Shape;208;p32"/>
-          <p:cNvPicPr preferRelativeResize="0"/>
-          <p:nvPr/>
-        </p:nvPicPr>
-        <p:blipFill>
-          <a:blip r:embed="rId5">
-            <a:alphaModFix/>
-          </a:blip>
-          <a:stretch>
-            <a:fillRect/>
-          </a:stretch>
-        </p:blipFill>
-        <p:spPr>
-          <a:xfrm>
-            <a:off x="6382825" y="3841100"/>
-            <a:ext cx="5191799" cy="1874950"/>
-          </a:xfrm>
-          <a:prstGeom prst="rect">
-            <a:avLst/>
-          </a:prstGeom>
-          <a:noFill/>
-          <a:ln>
-            <a:noFill/>
-          </a:ln>
-        </p:spPr>
-      </p:pic>
-      <p:pic>
-        <p:nvPicPr>
-          <p:cNvPr id="209" name="Google Shape;209;p32"/>
-          <p:cNvPicPr preferRelativeResize="0"/>
-          <p:nvPr/>
-        </p:nvPicPr>
-        <p:blipFill>
-          <a:blip r:embed="rId6">
-            <a:alphaModFix/>
-          </a:blip>
-          <a:stretch>
-            <a:fillRect/>
-          </a:stretch>
-        </p:blipFill>
-        <p:spPr>
-          <a:xfrm>
-            <a:off x="356850" y="3985337"/>
-            <a:ext cx="5784226" cy="1586475"/>
-          </a:xfrm>
-          <a:prstGeom prst="rect">
-            <a:avLst/>
-          </a:prstGeom>
-          <a:noFill/>
-          <a:ln>
-            <a:noFill/>
-          </a:ln>
-        </p:spPr>
-      </p:pic>
     </p:spTree>
   </p:cSld>
   <p:clrMapOvr>
@@ -40331,44 +41831,44 @@
 </file>
 
 <file path=ppt/theme/theme1.xml><?xml version="1.0" encoding="utf-8"?>
-<a:theme xmlns:a="http://schemas.openxmlformats.org/drawingml/2006/main" xmlns:r="http://schemas.openxmlformats.org/officeDocument/2006/relationships" name="Custom Design">
+<a:theme xmlns:a="http://schemas.openxmlformats.org/drawingml/2006/main" xmlns:r="http://schemas.openxmlformats.org/officeDocument/2006/relationships">
   <a:themeElements>
-    <a:clrScheme name="Spectrum_Theme">
+    <a:clrScheme name="Default">
       <a:dk1>
-        <a:srgbClr val="496491"/>
+        <a:srgbClr val="000000"/>
       </a:dk1>
       <a:lt1>
         <a:srgbClr val="FFFFFF"/>
       </a:lt1>
       <a:dk2>
-        <a:srgbClr val="44546A"/>
+        <a:srgbClr val="158158"/>
       </a:dk2>
       <a:lt2>
-        <a:srgbClr val="E7E6E6"/>
+        <a:srgbClr val="F3F3F3"/>
       </a:lt2>
       <a:accent1>
-        <a:srgbClr val="496491"/>
+        <a:srgbClr val="058DC7"/>
       </a:accent1>
       <a:accent2>
-        <a:srgbClr val="92C46D"/>
+        <a:srgbClr val="50B432"/>
       </a:accent2>
       <a:accent3>
-        <a:srgbClr val="EA6044"/>
+        <a:srgbClr val="ED561B"/>
       </a:accent3>
       <a:accent4>
-        <a:srgbClr val="F0C602"/>
+        <a:srgbClr val="EDEF00"/>
       </a:accent4>
       <a:accent5>
-        <a:srgbClr val="85A5CC"/>
+        <a:srgbClr val="24CBE5"/>
       </a:accent5>
       <a:accent6>
-        <a:srgbClr val="297D7D"/>
+        <a:srgbClr val="64E572"/>
       </a:accent6>
       <a:hlink>
-        <a:srgbClr val="85A5CC"/>
+        <a:srgbClr val="2200CC"/>
       </a:hlink>
       <a:folHlink>
-        <a:srgbClr val="954F72"/>
+        <a:srgbClr val="551A8B"/>
       </a:folHlink>
     </a:clrScheme>
     <a:fontScheme name="Office">
@@ -40610,44 +42110,44 @@
 </file>
 
 <file path=ppt/theme/theme2.xml><?xml version="1.0" encoding="utf-8"?>
-<a:theme xmlns:a="http://schemas.openxmlformats.org/drawingml/2006/main" xmlns:r="http://schemas.openxmlformats.org/officeDocument/2006/relationships">
+<a:theme xmlns:a="http://schemas.openxmlformats.org/drawingml/2006/main" xmlns:r="http://schemas.openxmlformats.org/officeDocument/2006/relationships" name="Custom Design">
   <a:themeElements>
-    <a:clrScheme name="Default">
+    <a:clrScheme name="Spectrum_Theme">
       <a:dk1>
-        <a:srgbClr val="000000"/>
+        <a:srgbClr val="496491"/>
       </a:dk1>
       <a:lt1>
         <a:srgbClr val="FFFFFF"/>
       </a:lt1>
       <a:dk2>
-        <a:srgbClr val="158158"/>
+        <a:srgbClr val="44546A"/>
       </a:dk2>
       <a:lt2>
-        <a:srgbClr val="F3F3F3"/>
+        <a:srgbClr val="E7E6E6"/>
       </a:lt2>
       <a:accent1>
-        <a:srgbClr val="058DC7"/>
+        <a:srgbClr val="496491"/>
       </a:accent1>
       <a:accent2>
-        <a:srgbClr val="50B432"/>
+        <a:srgbClr val="92C46D"/>
       </a:accent2>
       <a:accent3>
-        <a:srgbClr val="ED561B"/>
+        <a:srgbClr val="EA6044"/>
       </a:accent3>
       <a:accent4>
-        <a:srgbClr val="EDEF00"/>
+        <a:srgbClr val="F0C602"/>
       </a:accent4>
       <a:accent5>
-        <a:srgbClr val="24CBE5"/>
+        <a:srgbClr val="85A5CC"/>
       </a:accent5>
       <a:accent6>
-        <a:srgbClr val="64E572"/>
+        <a:srgbClr val="297D7D"/>
       </a:accent6>
       <a:hlink>
-        <a:srgbClr val="2200CC"/>
+        <a:srgbClr val="85A5CC"/>
       </a:hlink>
       <a:folHlink>
-        <a:srgbClr val="551A8B"/>
+        <a:srgbClr val="954F72"/>
       </a:folHlink>
     </a:clrScheme>
     <a:fontScheme name="Office">
